--- a/1/shellscripting.pptx
+++ b/1/shellscripting.pptx
@@ -4,6 +4,9 @@
   <p:sldMasterIdLst>
     <p:sldMasterId id="2147483648" r:id="rId1"/>
   </p:sldMasterIdLst>
+  <p:notesMasterIdLst>
+    <p:notesMasterId r:id="rId12"/>
+  </p:notesMasterIdLst>
   <p:sldIdLst>
     <p:sldId id="256" r:id="rId2"/>
     <p:sldId id="257" r:id="rId3"/>
@@ -15,8 +18,6 @@
     <p:sldId id="263" r:id="rId9"/>
     <p:sldId id="264" r:id="rId10"/>
     <p:sldId id="265" r:id="rId11"/>
-    <p:sldId id="266" r:id="rId12"/>
-    <p:sldId id="267" r:id="rId13"/>
   </p:sldIdLst>
   <p:sldSz cx="9144000" cy="6858000" type="screen4x3"/>
   <p:notesSz cx="6858000" cy="9144000"/>
@@ -118,6 +119,915 @@
 </p:presentation>
 </file>
 
+<file path=ppt/notesMasters/notesMaster1.xml><?xml version="1.0" encoding="utf-8"?>
+<p:notesMaster xmlns:a="http://schemas.openxmlformats.org/drawingml/2006/main" xmlns:r="http://schemas.openxmlformats.org/officeDocument/2006/relationships" xmlns:p="http://schemas.openxmlformats.org/presentationml/2006/main">
+  <p:cSld>
+    <p:bg>
+      <p:bgRef idx="1001">
+        <a:schemeClr val="bg1"/>
+      </p:bgRef>
+    </p:bg>
+    <p:spTree>
+      <p:nvGrpSpPr>
+        <p:cNvPr id="1" name=""/>
+        <p:cNvGrpSpPr/>
+        <p:nvPr/>
+      </p:nvGrpSpPr>
+      <p:grpSpPr>
+        <a:xfrm>
+          <a:off x="0" y="0"/>
+          <a:ext cx="0" cy="0"/>
+          <a:chOff x="0" y="0"/>
+          <a:chExt cx="0" cy="0"/>
+        </a:xfrm>
+      </p:grpSpPr>
+      <p:sp>
+        <p:nvSpPr>
+          <p:cNvPr id="2" name="Header Placeholder 1"/>
+          <p:cNvSpPr>
+            <a:spLocks noGrp="1"/>
+          </p:cNvSpPr>
+          <p:nvPr>
+            <p:ph type="hdr" sz="quarter"/>
+          </p:nvPr>
+        </p:nvSpPr>
+        <p:spPr>
+          <a:xfrm>
+            <a:off x="0" y="0"/>
+            <a:ext cx="2971800" cy="457200"/>
+          </a:xfrm>
+          <a:prstGeom prst="rect">
+            <a:avLst/>
+          </a:prstGeom>
+        </p:spPr>
+        <p:txBody>
+          <a:bodyPr vert="horz" lIns="91440" tIns="45720" rIns="91440" bIns="45720" rtlCol="0"/>
+          <a:lstStyle>
+            <a:lvl1pPr algn="l">
+              <a:defRPr sz="1200"/>
+            </a:lvl1pPr>
+          </a:lstStyle>
+          <a:p>
+            <a:endParaRPr lang="en-US"/>
+          </a:p>
+        </p:txBody>
+      </p:sp>
+      <p:sp>
+        <p:nvSpPr>
+          <p:cNvPr id="3" name="Date Placeholder 2"/>
+          <p:cNvSpPr>
+            <a:spLocks noGrp="1"/>
+          </p:cNvSpPr>
+          <p:nvPr>
+            <p:ph type="dt" idx="1"/>
+          </p:nvPr>
+        </p:nvSpPr>
+        <p:spPr>
+          <a:xfrm>
+            <a:off x="3884613" y="0"/>
+            <a:ext cx="2971800" cy="457200"/>
+          </a:xfrm>
+          <a:prstGeom prst="rect">
+            <a:avLst/>
+          </a:prstGeom>
+        </p:spPr>
+        <p:txBody>
+          <a:bodyPr vert="horz" lIns="91440" tIns="45720" rIns="91440" bIns="45720" rtlCol="0"/>
+          <a:lstStyle>
+            <a:lvl1pPr algn="r">
+              <a:defRPr sz="1200"/>
+            </a:lvl1pPr>
+          </a:lstStyle>
+          <a:p>
+            <a:fld id="{AE72FB97-F104-6B43-98BA-8F88D58C7424}" type="datetimeFigureOut">
+              <a:rPr lang="en-US" smtClean="0"/>
+              <a:t>23/09/14</a:t>
+            </a:fld>
+            <a:endParaRPr lang="en-US"/>
+          </a:p>
+        </p:txBody>
+      </p:sp>
+      <p:sp>
+        <p:nvSpPr>
+          <p:cNvPr id="4" name="Slide Image Placeholder 3"/>
+          <p:cNvSpPr>
+            <a:spLocks noGrp="1" noRot="1" noChangeAspect="1"/>
+          </p:cNvSpPr>
+          <p:nvPr>
+            <p:ph type="sldImg" idx="2"/>
+          </p:nvPr>
+        </p:nvSpPr>
+        <p:spPr>
+          <a:xfrm>
+            <a:off x="1143000" y="685800"/>
+            <a:ext cx="4572000" cy="3429000"/>
+          </a:xfrm>
+          <a:prstGeom prst="rect">
+            <a:avLst/>
+          </a:prstGeom>
+          <a:noFill/>
+          <a:ln w="12700">
+            <a:solidFill>
+              <a:prstClr val="black"/>
+            </a:solidFill>
+          </a:ln>
+        </p:spPr>
+        <p:txBody>
+          <a:bodyPr vert="horz" lIns="91440" tIns="45720" rIns="91440" bIns="45720" rtlCol="0" anchor="ctr"/>
+          <a:lstStyle/>
+          <a:p>
+            <a:endParaRPr lang="en-US"/>
+          </a:p>
+        </p:txBody>
+      </p:sp>
+      <p:sp>
+        <p:nvSpPr>
+          <p:cNvPr id="5" name="Notes Placeholder 4"/>
+          <p:cNvSpPr>
+            <a:spLocks noGrp="1"/>
+          </p:cNvSpPr>
+          <p:nvPr>
+            <p:ph type="body" sz="quarter" idx="3"/>
+          </p:nvPr>
+        </p:nvSpPr>
+        <p:spPr>
+          <a:xfrm>
+            <a:off x="685800" y="4343400"/>
+            <a:ext cx="5486400" cy="4114800"/>
+          </a:xfrm>
+          <a:prstGeom prst="rect">
+            <a:avLst/>
+          </a:prstGeom>
+        </p:spPr>
+        <p:txBody>
+          <a:bodyPr vert="horz" lIns="91440" tIns="45720" rIns="91440" bIns="45720" rtlCol="0"/>
+          <a:lstStyle/>
+          <a:p>
+            <a:pPr lvl="0"/>
+            <a:r>
+              <a:rPr lang="nb-NO" smtClean="0"/>
+              <a:t>Click to edit Master text styles</a:t>
+            </a:r>
+          </a:p>
+          <a:p>
+            <a:pPr lvl="1"/>
+            <a:r>
+              <a:rPr lang="nb-NO" smtClean="0"/>
+              <a:t>Second level</a:t>
+            </a:r>
+          </a:p>
+          <a:p>
+            <a:pPr lvl="2"/>
+            <a:r>
+              <a:rPr lang="nb-NO" smtClean="0"/>
+              <a:t>Third level</a:t>
+            </a:r>
+          </a:p>
+          <a:p>
+            <a:pPr lvl="3"/>
+            <a:r>
+              <a:rPr lang="nb-NO" smtClean="0"/>
+              <a:t>Fourth level</a:t>
+            </a:r>
+          </a:p>
+          <a:p>
+            <a:pPr lvl="4"/>
+            <a:r>
+              <a:rPr lang="nb-NO" smtClean="0"/>
+              <a:t>Fifth level</a:t>
+            </a:r>
+            <a:endParaRPr lang="en-US"/>
+          </a:p>
+        </p:txBody>
+      </p:sp>
+      <p:sp>
+        <p:nvSpPr>
+          <p:cNvPr id="6" name="Footer Placeholder 5"/>
+          <p:cNvSpPr>
+            <a:spLocks noGrp="1"/>
+          </p:cNvSpPr>
+          <p:nvPr>
+            <p:ph type="ftr" sz="quarter" idx="4"/>
+          </p:nvPr>
+        </p:nvSpPr>
+        <p:spPr>
+          <a:xfrm>
+            <a:off x="0" y="8685213"/>
+            <a:ext cx="2971800" cy="457200"/>
+          </a:xfrm>
+          <a:prstGeom prst="rect">
+            <a:avLst/>
+          </a:prstGeom>
+        </p:spPr>
+        <p:txBody>
+          <a:bodyPr vert="horz" lIns="91440" tIns="45720" rIns="91440" bIns="45720" rtlCol="0" anchor="b"/>
+          <a:lstStyle>
+            <a:lvl1pPr algn="l">
+              <a:defRPr sz="1200"/>
+            </a:lvl1pPr>
+          </a:lstStyle>
+          <a:p>
+            <a:endParaRPr lang="en-US"/>
+          </a:p>
+        </p:txBody>
+      </p:sp>
+      <p:sp>
+        <p:nvSpPr>
+          <p:cNvPr id="7" name="Slide Number Placeholder 6"/>
+          <p:cNvSpPr>
+            <a:spLocks noGrp="1"/>
+          </p:cNvSpPr>
+          <p:nvPr>
+            <p:ph type="sldNum" sz="quarter" idx="5"/>
+          </p:nvPr>
+        </p:nvSpPr>
+        <p:spPr>
+          <a:xfrm>
+            <a:off x="3884613" y="8685213"/>
+            <a:ext cx="2971800" cy="457200"/>
+          </a:xfrm>
+          <a:prstGeom prst="rect">
+            <a:avLst/>
+          </a:prstGeom>
+        </p:spPr>
+        <p:txBody>
+          <a:bodyPr vert="horz" lIns="91440" tIns="45720" rIns="91440" bIns="45720" rtlCol="0" anchor="b"/>
+          <a:lstStyle>
+            <a:lvl1pPr algn="r">
+              <a:defRPr sz="1200"/>
+            </a:lvl1pPr>
+          </a:lstStyle>
+          <a:p>
+            <a:fld id="{54916FC5-E689-9048-ACDD-CC1C4C78EE36}" type="slidenum">
+              <a:rPr lang="en-US" smtClean="0"/>
+              <a:t>‹#›</a:t>
+            </a:fld>
+            <a:endParaRPr lang="en-US"/>
+          </a:p>
+        </p:txBody>
+      </p:sp>
+    </p:spTree>
+    <p:extLst>
+      <p:ext uri="{BB962C8B-B14F-4D97-AF65-F5344CB8AC3E}">
+        <p14:creationId xmlns:p14="http://schemas.microsoft.com/office/powerpoint/2010/main" val="274680310"/>
+      </p:ext>
+    </p:extLst>
+  </p:cSld>
+  <p:clrMap bg1="lt1" tx1="dk1" bg2="lt2" tx2="dk2" accent1="accent1" accent2="accent2" accent3="accent3" accent4="accent4" accent5="accent5" accent6="accent6" hlink="hlink" folHlink="folHlink"/>
+  <p:notesStyle>
+    <a:lvl1pPr marL="0" algn="l" defTabSz="457200" rtl="0" eaLnBrk="1" latinLnBrk="0" hangingPunct="1">
+      <a:defRPr sz="1200" kern="1200">
+        <a:solidFill>
+          <a:schemeClr val="tx1"/>
+        </a:solidFill>
+        <a:latin typeface="+mn-lt"/>
+        <a:ea typeface="+mn-ea"/>
+        <a:cs typeface="+mn-cs"/>
+      </a:defRPr>
+    </a:lvl1pPr>
+    <a:lvl2pPr marL="457200" algn="l" defTabSz="457200" rtl="0" eaLnBrk="1" latinLnBrk="0" hangingPunct="1">
+      <a:defRPr sz="1200" kern="1200">
+        <a:solidFill>
+          <a:schemeClr val="tx1"/>
+        </a:solidFill>
+        <a:latin typeface="+mn-lt"/>
+        <a:ea typeface="+mn-ea"/>
+        <a:cs typeface="+mn-cs"/>
+      </a:defRPr>
+    </a:lvl2pPr>
+    <a:lvl3pPr marL="914400" algn="l" defTabSz="457200" rtl="0" eaLnBrk="1" latinLnBrk="0" hangingPunct="1">
+      <a:defRPr sz="1200" kern="1200">
+        <a:solidFill>
+          <a:schemeClr val="tx1"/>
+        </a:solidFill>
+        <a:latin typeface="+mn-lt"/>
+        <a:ea typeface="+mn-ea"/>
+        <a:cs typeface="+mn-cs"/>
+      </a:defRPr>
+    </a:lvl3pPr>
+    <a:lvl4pPr marL="1371600" algn="l" defTabSz="457200" rtl="0" eaLnBrk="1" latinLnBrk="0" hangingPunct="1">
+      <a:defRPr sz="1200" kern="1200">
+        <a:solidFill>
+          <a:schemeClr val="tx1"/>
+        </a:solidFill>
+        <a:latin typeface="+mn-lt"/>
+        <a:ea typeface="+mn-ea"/>
+        <a:cs typeface="+mn-cs"/>
+      </a:defRPr>
+    </a:lvl4pPr>
+    <a:lvl5pPr marL="1828800" algn="l" defTabSz="457200" rtl="0" eaLnBrk="1" latinLnBrk="0" hangingPunct="1">
+      <a:defRPr sz="1200" kern="1200">
+        <a:solidFill>
+          <a:schemeClr val="tx1"/>
+        </a:solidFill>
+        <a:latin typeface="+mn-lt"/>
+        <a:ea typeface="+mn-ea"/>
+        <a:cs typeface="+mn-cs"/>
+      </a:defRPr>
+    </a:lvl5pPr>
+    <a:lvl6pPr marL="2286000" algn="l" defTabSz="457200" rtl="0" eaLnBrk="1" latinLnBrk="0" hangingPunct="1">
+      <a:defRPr sz="1200" kern="1200">
+        <a:solidFill>
+          <a:schemeClr val="tx1"/>
+        </a:solidFill>
+        <a:latin typeface="+mn-lt"/>
+        <a:ea typeface="+mn-ea"/>
+        <a:cs typeface="+mn-cs"/>
+      </a:defRPr>
+    </a:lvl6pPr>
+    <a:lvl7pPr marL="2743200" algn="l" defTabSz="457200" rtl="0" eaLnBrk="1" latinLnBrk="0" hangingPunct="1">
+      <a:defRPr sz="1200" kern="1200">
+        <a:solidFill>
+          <a:schemeClr val="tx1"/>
+        </a:solidFill>
+        <a:latin typeface="+mn-lt"/>
+        <a:ea typeface="+mn-ea"/>
+        <a:cs typeface="+mn-cs"/>
+      </a:defRPr>
+    </a:lvl7pPr>
+    <a:lvl8pPr marL="3200400" algn="l" defTabSz="457200" rtl="0" eaLnBrk="1" latinLnBrk="0" hangingPunct="1">
+      <a:defRPr sz="1200" kern="1200">
+        <a:solidFill>
+          <a:schemeClr val="tx1"/>
+        </a:solidFill>
+        <a:latin typeface="+mn-lt"/>
+        <a:ea typeface="+mn-ea"/>
+        <a:cs typeface="+mn-cs"/>
+      </a:defRPr>
+    </a:lvl8pPr>
+    <a:lvl9pPr marL="3657600" algn="l" defTabSz="457200" rtl="0" eaLnBrk="1" latinLnBrk="0" hangingPunct="1">
+      <a:defRPr sz="1200" kern="1200">
+        <a:solidFill>
+          <a:schemeClr val="tx1"/>
+        </a:solidFill>
+        <a:latin typeface="+mn-lt"/>
+        <a:ea typeface="+mn-ea"/>
+        <a:cs typeface="+mn-cs"/>
+      </a:defRPr>
+    </a:lvl9pPr>
+  </p:notesStyle>
+</p:notesMaster>
+</file>
+
+<file path=ppt/notesSlides/notesSlide1.xml><?xml version="1.0" encoding="utf-8"?>
+<p:notes xmlns:a="http://schemas.openxmlformats.org/drawingml/2006/main" xmlns:r="http://schemas.openxmlformats.org/officeDocument/2006/relationships" xmlns:p="http://schemas.openxmlformats.org/presentationml/2006/main">
+  <p:cSld>
+    <p:spTree>
+      <p:nvGrpSpPr>
+        <p:cNvPr id="1" name=""/>
+        <p:cNvGrpSpPr/>
+        <p:nvPr/>
+      </p:nvGrpSpPr>
+      <p:grpSpPr>
+        <a:xfrm>
+          <a:off x="0" y="0"/>
+          <a:ext cx="0" cy="0"/>
+          <a:chOff x="0" y="0"/>
+          <a:chExt cx="0" cy="0"/>
+        </a:xfrm>
+      </p:grpSpPr>
+      <p:sp>
+        <p:nvSpPr>
+          <p:cNvPr id="2" name="Slide Image Placeholder 1"/>
+          <p:cNvSpPr>
+            <a:spLocks noGrp="1" noRot="1" noChangeAspect="1"/>
+          </p:cNvSpPr>
+          <p:nvPr>
+            <p:ph type="sldImg"/>
+          </p:nvPr>
+        </p:nvSpPr>
+        <p:spPr/>
+      </p:sp>
+      <p:sp>
+        <p:nvSpPr>
+          <p:cNvPr id="3" name="Notes Placeholder 2"/>
+          <p:cNvSpPr>
+            <a:spLocks noGrp="1"/>
+          </p:cNvSpPr>
+          <p:nvPr>
+            <p:ph type="body" idx="1"/>
+          </p:nvPr>
+        </p:nvSpPr>
+        <p:spPr/>
+        <p:txBody>
+          <a:bodyPr/>
+          <a:lstStyle/>
+          <a:p>
+            <a:endParaRPr lang="en-US" dirty="0"/>
+          </a:p>
+        </p:txBody>
+      </p:sp>
+      <p:sp>
+        <p:nvSpPr>
+          <p:cNvPr id="4" name="Slide Number Placeholder 3"/>
+          <p:cNvSpPr>
+            <a:spLocks noGrp="1"/>
+          </p:cNvSpPr>
+          <p:nvPr>
+            <p:ph type="sldNum" sz="quarter" idx="10"/>
+          </p:nvPr>
+        </p:nvSpPr>
+        <p:spPr/>
+        <p:txBody>
+          <a:bodyPr/>
+          <a:lstStyle/>
+          <a:p>
+            <a:fld id="{54916FC5-E689-9048-ACDD-CC1C4C78EE36}" type="slidenum">
+              <a:rPr lang="en-US" smtClean="0"/>
+              <a:t>2</a:t>
+            </a:fld>
+            <a:endParaRPr lang="en-US"/>
+          </a:p>
+        </p:txBody>
+      </p:sp>
+    </p:spTree>
+    <p:extLst>
+      <p:ext uri="{BB962C8B-B14F-4D97-AF65-F5344CB8AC3E}">
+        <p14:creationId xmlns:p14="http://schemas.microsoft.com/office/powerpoint/2010/main" val="3019562679"/>
+      </p:ext>
+    </p:extLst>
+  </p:cSld>
+  <p:clrMapOvr>
+    <a:masterClrMapping/>
+  </p:clrMapOvr>
+</p:notes>
+</file>
+
+<file path=ppt/notesSlides/notesSlide2.xml><?xml version="1.0" encoding="utf-8"?>
+<p:notes xmlns:a="http://schemas.openxmlformats.org/drawingml/2006/main" xmlns:r="http://schemas.openxmlformats.org/officeDocument/2006/relationships" xmlns:p="http://schemas.openxmlformats.org/presentationml/2006/main">
+  <p:cSld>
+    <p:spTree>
+      <p:nvGrpSpPr>
+        <p:cNvPr id="1" name=""/>
+        <p:cNvGrpSpPr/>
+        <p:nvPr/>
+      </p:nvGrpSpPr>
+      <p:grpSpPr>
+        <a:xfrm>
+          <a:off x="0" y="0"/>
+          <a:ext cx="0" cy="0"/>
+          <a:chOff x="0" y="0"/>
+          <a:chExt cx="0" cy="0"/>
+        </a:xfrm>
+      </p:grpSpPr>
+      <p:sp>
+        <p:nvSpPr>
+          <p:cNvPr id="2" name="Slide Image Placeholder 1"/>
+          <p:cNvSpPr>
+            <a:spLocks noGrp="1" noRot="1" noChangeAspect="1"/>
+          </p:cNvSpPr>
+          <p:nvPr>
+            <p:ph type="sldImg"/>
+          </p:nvPr>
+        </p:nvSpPr>
+        <p:spPr/>
+      </p:sp>
+      <p:sp>
+        <p:nvSpPr>
+          <p:cNvPr id="3" name="Notes Placeholder 2"/>
+          <p:cNvSpPr>
+            <a:spLocks noGrp="1"/>
+          </p:cNvSpPr>
+          <p:nvPr>
+            <p:ph type="body" idx="1"/>
+          </p:nvPr>
+        </p:nvSpPr>
+        <p:spPr/>
+        <p:txBody>
+          <a:bodyPr/>
+          <a:lstStyle/>
+          <a:p>
+            <a:endParaRPr lang="en-US" dirty="0"/>
+          </a:p>
+        </p:txBody>
+      </p:sp>
+      <p:sp>
+        <p:nvSpPr>
+          <p:cNvPr id="4" name="Slide Number Placeholder 3"/>
+          <p:cNvSpPr>
+            <a:spLocks noGrp="1"/>
+          </p:cNvSpPr>
+          <p:nvPr>
+            <p:ph type="sldNum" sz="quarter" idx="10"/>
+          </p:nvPr>
+        </p:nvSpPr>
+        <p:spPr/>
+        <p:txBody>
+          <a:bodyPr/>
+          <a:lstStyle/>
+          <a:p>
+            <a:fld id="{54916FC5-E689-9048-ACDD-CC1C4C78EE36}" type="slidenum">
+              <a:rPr lang="en-US" smtClean="0"/>
+              <a:t>3</a:t>
+            </a:fld>
+            <a:endParaRPr lang="en-US"/>
+          </a:p>
+        </p:txBody>
+      </p:sp>
+    </p:spTree>
+    <p:extLst>
+      <p:ext uri="{BB962C8B-B14F-4D97-AF65-F5344CB8AC3E}">
+        <p14:creationId xmlns:p14="http://schemas.microsoft.com/office/powerpoint/2010/main" val="1520105345"/>
+      </p:ext>
+    </p:extLst>
+  </p:cSld>
+  <p:clrMapOvr>
+    <a:masterClrMapping/>
+  </p:clrMapOvr>
+</p:notes>
+</file>
+
+<file path=ppt/notesSlides/notesSlide3.xml><?xml version="1.0" encoding="utf-8"?>
+<p:notes xmlns:a="http://schemas.openxmlformats.org/drawingml/2006/main" xmlns:r="http://schemas.openxmlformats.org/officeDocument/2006/relationships" xmlns:p="http://schemas.openxmlformats.org/presentationml/2006/main">
+  <p:cSld>
+    <p:spTree>
+      <p:nvGrpSpPr>
+        <p:cNvPr id="1" name=""/>
+        <p:cNvGrpSpPr/>
+        <p:nvPr/>
+      </p:nvGrpSpPr>
+      <p:grpSpPr>
+        <a:xfrm>
+          <a:off x="0" y="0"/>
+          <a:ext cx="0" cy="0"/>
+          <a:chOff x="0" y="0"/>
+          <a:chExt cx="0" cy="0"/>
+        </a:xfrm>
+      </p:grpSpPr>
+      <p:sp>
+        <p:nvSpPr>
+          <p:cNvPr id="2" name="Slide Image Placeholder 1"/>
+          <p:cNvSpPr>
+            <a:spLocks noGrp="1" noRot="1" noChangeAspect="1"/>
+          </p:cNvSpPr>
+          <p:nvPr>
+            <p:ph type="sldImg"/>
+          </p:nvPr>
+        </p:nvSpPr>
+        <p:spPr/>
+      </p:sp>
+      <p:sp>
+        <p:nvSpPr>
+          <p:cNvPr id="3" name="Notes Placeholder 2"/>
+          <p:cNvSpPr>
+            <a:spLocks noGrp="1"/>
+          </p:cNvSpPr>
+          <p:nvPr>
+            <p:ph type="body" idx="1"/>
+          </p:nvPr>
+        </p:nvSpPr>
+        <p:spPr/>
+        <p:txBody>
+          <a:bodyPr/>
+          <a:lstStyle/>
+          <a:p>
+            <a:r>
+              <a:rPr lang="en-US" dirty="0" smtClean="0"/>
+              <a:t>Show</a:t>
+            </a:r>
+            <a:r>
+              <a:rPr lang="en-US" baseline="0" dirty="0" smtClean="0"/>
+              <a:t> in terminal:</a:t>
+            </a:r>
+            <a:endParaRPr lang="en-US" dirty="0" smtClean="0"/>
+          </a:p>
+          <a:p>
+            <a:r>
+              <a:rPr lang="en-US" dirty="0" err="1" smtClean="0"/>
+              <a:t>ls</a:t>
+            </a:r>
+            <a:endParaRPr lang="en-US" dirty="0" smtClean="0"/>
+          </a:p>
+          <a:p>
+            <a:r>
+              <a:rPr lang="en-US" dirty="0" err="1" smtClean="0"/>
+              <a:t>mkdir</a:t>
+            </a:r>
+            <a:r>
+              <a:rPr lang="en-US" dirty="0" smtClean="0"/>
+              <a:t> </a:t>
+            </a:r>
+            <a:r>
+              <a:rPr lang="en-US" dirty="0" err="1" smtClean="0"/>
+              <a:t>myFineDirectory</a:t>
+            </a:r>
+            <a:endParaRPr lang="en-US" dirty="0" smtClean="0"/>
+          </a:p>
+          <a:p>
+            <a:r>
+              <a:rPr lang="en-US" dirty="0" err="1" smtClean="0"/>
+              <a:t>ls</a:t>
+            </a:r>
+            <a:r>
+              <a:rPr lang="en-US" baseline="0" dirty="0" smtClean="0"/>
+              <a:t> -l</a:t>
+            </a:r>
+            <a:endParaRPr lang="en-US" dirty="0" smtClean="0"/>
+          </a:p>
+          <a:p>
+            <a:r>
+              <a:rPr lang="en-US" dirty="0" err="1" smtClean="0"/>
+              <a:t>rm</a:t>
+            </a:r>
+            <a:r>
+              <a:rPr lang="en-US" dirty="0" smtClean="0"/>
+              <a:t> –</a:t>
+            </a:r>
+            <a:r>
+              <a:rPr lang="en-US" dirty="0" err="1" smtClean="0"/>
+              <a:t>rf</a:t>
+            </a:r>
+            <a:r>
+              <a:rPr lang="en-US" dirty="0" smtClean="0"/>
+              <a:t> </a:t>
+            </a:r>
+            <a:r>
+              <a:rPr lang="en-US" dirty="0" err="1" smtClean="0"/>
+              <a:t>myFineDirectory</a:t>
+            </a:r>
+            <a:endParaRPr lang="en-US" dirty="0" smtClean="0"/>
+          </a:p>
+          <a:p>
+            <a:endParaRPr lang="en-US" dirty="0" smtClean="0"/>
+          </a:p>
+        </p:txBody>
+      </p:sp>
+      <p:sp>
+        <p:nvSpPr>
+          <p:cNvPr id="4" name="Slide Number Placeholder 3"/>
+          <p:cNvSpPr>
+            <a:spLocks noGrp="1"/>
+          </p:cNvSpPr>
+          <p:nvPr>
+            <p:ph type="sldNum" sz="quarter" idx="10"/>
+          </p:nvPr>
+        </p:nvSpPr>
+        <p:spPr/>
+        <p:txBody>
+          <a:bodyPr/>
+          <a:lstStyle/>
+          <a:p>
+            <a:fld id="{54916FC5-E689-9048-ACDD-CC1C4C78EE36}" type="slidenum">
+              <a:rPr lang="en-US" smtClean="0"/>
+              <a:t>5</a:t>
+            </a:fld>
+            <a:endParaRPr lang="en-US"/>
+          </a:p>
+        </p:txBody>
+      </p:sp>
+    </p:spTree>
+    <p:extLst>
+      <p:ext uri="{BB962C8B-B14F-4D97-AF65-F5344CB8AC3E}">
+        <p14:creationId xmlns:p14="http://schemas.microsoft.com/office/powerpoint/2010/main" val="3835467696"/>
+      </p:ext>
+    </p:extLst>
+  </p:cSld>
+  <p:clrMapOvr>
+    <a:masterClrMapping/>
+  </p:clrMapOvr>
+</p:notes>
+</file>
+
+<file path=ppt/notesSlides/notesSlide4.xml><?xml version="1.0" encoding="utf-8"?>
+<p:notes xmlns:a="http://schemas.openxmlformats.org/drawingml/2006/main" xmlns:r="http://schemas.openxmlformats.org/officeDocument/2006/relationships" xmlns:p="http://schemas.openxmlformats.org/presentationml/2006/main">
+  <p:cSld>
+    <p:spTree>
+      <p:nvGrpSpPr>
+        <p:cNvPr id="1" name=""/>
+        <p:cNvGrpSpPr/>
+        <p:nvPr/>
+      </p:nvGrpSpPr>
+      <p:grpSpPr>
+        <a:xfrm>
+          <a:off x="0" y="0"/>
+          <a:ext cx="0" cy="0"/>
+          <a:chOff x="0" y="0"/>
+          <a:chExt cx="0" cy="0"/>
+        </a:xfrm>
+      </p:grpSpPr>
+      <p:sp>
+        <p:nvSpPr>
+          <p:cNvPr id="2" name="Slide Image Placeholder 1"/>
+          <p:cNvSpPr>
+            <a:spLocks noGrp="1" noRot="1" noChangeAspect="1"/>
+          </p:cNvSpPr>
+          <p:nvPr>
+            <p:ph type="sldImg"/>
+          </p:nvPr>
+        </p:nvSpPr>
+        <p:spPr/>
+      </p:sp>
+      <p:sp>
+        <p:nvSpPr>
+          <p:cNvPr id="3" name="Notes Placeholder 2"/>
+          <p:cNvSpPr>
+            <a:spLocks noGrp="1"/>
+          </p:cNvSpPr>
+          <p:nvPr>
+            <p:ph type="body" idx="1"/>
+          </p:nvPr>
+        </p:nvSpPr>
+        <p:spPr/>
+        <p:txBody>
+          <a:bodyPr/>
+          <a:lstStyle/>
+          <a:p>
+            <a:r>
+              <a:rPr lang="en-US" dirty="0" smtClean="0"/>
+              <a:t>Use Google</a:t>
+            </a:r>
+          </a:p>
+          <a:p>
+            <a:r>
+              <a:rPr lang="en-US" dirty="0" smtClean="0"/>
+              <a:t>Use man-pages</a:t>
+            </a:r>
+            <a:endParaRPr lang="en-US" dirty="0"/>
+          </a:p>
+        </p:txBody>
+      </p:sp>
+      <p:sp>
+        <p:nvSpPr>
+          <p:cNvPr id="4" name="Slide Number Placeholder 3"/>
+          <p:cNvSpPr>
+            <a:spLocks noGrp="1"/>
+          </p:cNvSpPr>
+          <p:nvPr>
+            <p:ph type="sldNum" sz="quarter" idx="10"/>
+          </p:nvPr>
+        </p:nvSpPr>
+        <p:spPr/>
+        <p:txBody>
+          <a:bodyPr/>
+          <a:lstStyle/>
+          <a:p>
+            <a:fld id="{54916FC5-E689-9048-ACDD-CC1C4C78EE36}" type="slidenum">
+              <a:rPr lang="en-US" smtClean="0"/>
+              <a:t>6</a:t>
+            </a:fld>
+            <a:endParaRPr lang="en-US"/>
+          </a:p>
+        </p:txBody>
+      </p:sp>
+    </p:spTree>
+    <p:extLst>
+      <p:ext uri="{BB962C8B-B14F-4D97-AF65-F5344CB8AC3E}">
+        <p14:creationId xmlns:p14="http://schemas.microsoft.com/office/powerpoint/2010/main" val="2669565549"/>
+      </p:ext>
+    </p:extLst>
+  </p:cSld>
+  <p:clrMapOvr>
+    <a:masterClrMapping/>
+  </p:clrMapOvr>
+</p:notes>
+</file>
+
+<file path=ppt/notesSlides/notesSlide5.xml><?xml version="1.0" encoding="utf-8"?>
+<p:notes xmlns:a="http://schemas.openxmlformats.org/drawingml/2006/main" xmlns:r="http://schemas.openxmlformats.org/officeDocument/2006/relationships" xmlns:p="http://schemas.openxmlformats.org/presentationml/2006/main">
+  <p:cSld>
+    <p:spTree>
+      <p:nvGrpSpPr>
+        <p:cNvPr id="1" name=""/>
+        <p:cNvGrpSpPr/>
+        <p:nvPr/>
+      </p:nvGrpSpPr>
+      <p:grpSpPr>
+        <a:xfrm>
+          <a:off x="0" y="0"/>
+          <a:ext cx="0" cy="0"/>
+          <a:chOff x="0" y="0"/>
+          <a:chExt cx="0" cy="0"/>
+        </a:xfrm>
+      </p:grpSpPr>
+      <p:sp>
+        <p:nvSpPr>
+          <p:cNvPr id="2" name="Slide Image Placeholder 1"/>
+          <p:cNvSpPr>
+            <a:spLocks noGrp="1" noRot="1" noChangeAspect="1"/>
+          </p:cNvSpPr>
+          <p:nvPr>
+            <p:ph type="sldImg"/>
+          </p:nvPr>
+        </p:nvSpPr>
+        <p:spPr/>
+      </p:sp>
+      <p:sp>
+        <p:nvSpPr>
+          <p:cNvPr id="3" name="Notes Placeholder 2"/>
+          <p:cNvSpPr>
+            <a:spLocks noGrp="1"/>
+          </p:cNvSpPr>
+          <p:nvPr>
+            <p:ph type="body" idx="1"/>
+          </p:nvPr>
+        </p:nvSpPr>
+        <p:spPr/>
+        <p:txBody>
+          <a:bodyPr/>
+          <a:lstStyle/>
+          <a:p>
+            <a:r>
+              <a:rPr lang="en-US" dirty="0" smtClean="0"/>
+              <a:t>cat </a:t>
+            </a:r>
+            <a:r>
+              <a:rPr lang="en-US" dirty="0" err="1" smtClean="0"/>
+              <a:t>git</a:t>
+            </a:r>
+            <a:r>
+              <a:rPr lang="en-US" dirty="0" smtClean="0"/>
+              <a:t>/</a:t>
+            </a:r>
+            <a:r>
+              <a:rPr lang="en-US" dirty="0" err="1" smtClean="0"/>
+              <a:t>nasjonalbiblioteket-stottesystem</a:t>
+            </a:r>
+            <a:r>
+              <a:rPr lang="en-US" dirty="0" smtClean="0"/>
+              <a:t>/</a:t>
+            </a:r>
+            <a:r>
+              <a:rPr lang="en-US" dirty="0" err="1" smtClean="0"/>
+              <a:t>mksystem</a:t>
+            </a:r>
+            <a:r>
+              <a:rPr lang="en-US" dirty="0" smtClean="0"/>
+              <a:t>/jetty-</a:t>
+            </a:r>
+            <a:r>
+              <a:rPr lang="en-US" dirty="0" err="1" smtClean="0"/>
+              <a:t>local.sh</a:t>
+            </a:r>
+            <a:endParaRPr lang="en-US" dirty="0" smtClean="0"/>
+          </a:p>
+          <a:p>
+            <a:r>
+              <a:rPr lang="en-US" dirty="0" smtClean="0"/>
+              <a:t>cat </a:t>
+            </a:r>
+            <a:r>
+              <a:rPr lang="en-US" dirty="0" err="1" smtClean="0"/>
+              <a:t>git</a:t>
+            </a:r>
+            <a:r>
+              <a:rPr lang="en-US" dirty="0" smtClean="0"/>
+              <a:t>/M-R.booster2014/example1/</a:t>
+            </a:r>
+            <a:r>
+              <a:rPr lang="en-US" dirty="0" err="1" smtClean="0"/>
+              <a:t>run.sh</a:t>
+            </a:r>
+            <a:endParaRPr lang="en-US" dirty="0" smtClean="0"/>
+          </a:p>
+          <a:p>
+            <a:r>
+              <a:rPr lang="en-US" dirty="0" smtClean="0"/>
+              <a:t>cat coding/</a:t>
+            </a:r>
+            <a:r>
+              <a:rPr lang="en-US" dirty="0" err="1" smtClean="0"/>
+              <a:t>extractTestNames.sh</a:t>
+            </a:r>
+            <a:endParaRPr lang="en-US" dirty="0"/>
+          </a:p>
+        </p:txBody>
+      </p:sp>
+      <p:sp>
+        <p:nvSpPr>
+          <p:cNvPr id="4" name="Slide Number Placeholder 3"/>
+          <p:cNvSpPr>
+            <a:spLocks noGrp="1"/>
+          </p:cNvSpPr>
+          <p:nvPr>
+            <p:ph type="sldNum" sz="quarter" idx="10"/>
+          </p:nvPr>
+        </p:nvSpPr>
+        <p:spPr/>
+        <p:txBody>
+          <a:bodyPr/>
+          <a:lstStyle/>
+          <a:p>
+            <a:fld id="{54916FC5-E689-9048-ACDD-CC1C4C78EE36}" type="slidenum">
+              <a:rPr lang="en-US" smtClean="0"/>
+              <a:t>8</a:t>
+            </a:fld>
+            <a:endParaRPr lang="en-US"/>
+          </a:p>
+        </p:txBody>
+      </p:sp>
+    </p:spTree>
+    <p:extLst>
+      <p:ext uri="{BB962C8B-B14F-4D97-AF65-F5344CB8AC3E}">
+        <p14:creationId xmlns:p14="http://schemas.microsoft.com/office/powerpoint/2010/main" val="2055197452"/>
+      </p:ext>
+    </p:extLst>
+  </p:cSld>
+  <p:clrMapOvr>
+    <a:masterClrMapping/>
+  </p:clrMapOvr>
+</p:notes>
+</file>
+
 <file path=ppt/slideLayouts/slideLayout1.xml><?xml version="1.0" encoding="utf-8"?>
 <p:sldLayout xmlns:a="http://schemas.openxmlformats.org/drawingml/2006/main" xmlns:r="http://schemas.openxmlformats.org/officeDocument/2006/relationships" xmlns:p="http://schemas.openxmlformats.org/presentationml/2006/main" type="title" preserve="1">
   <p:cSld name="Title Slide">
@@ -299,7 +1209,7 @@
           <a:p>
             <a:fld id="{0C306B1D-BC7F-6B48-AEFB-505DBC9F9C01}" type="datetimeFigureOut">
               <a:rPr lang="en-US" smtClean="0"/>
-              <a:t>16/09/14</a:t>
+              <a:t>19/09/14</a:t>
             </a:fld>
             <a:endParaRPr lang="en-US"/>
           </a:p>
@@ -469,7 +1379,7 @@
           <a:p>
             <a:fld id="{0C306B1D-BC7F-6B48-AEFB-505DBC9F9C01}" type="datetimeFigureOut">
               <a:rPr lang="en-US" smtClean="0"/>
-              <a:t>16/09/14</a:t>
+              <a:t>19/09/14</a:t>
             </a:fld>
             <a:endParaRPr lang="en-US"/>
           </a:p>
@@ -649,7 +1559,7 @@
           <a:p>
             <a:fld id="{0C306B1D-BC7F-6B48-AEFB-505DBC9F9C01}" type="datetimeFigureOut">
               <a:rPr lang="en-US" smtClean="0"/>
-              <a:t>16/09/14</a:t>
+              <a:t>19/09/14</a:t>
             </a:fld>
             <a:endParaRPr lang="en-US"/>
           </a:p>
@@ -819,7 +1729,7 @@
           <a:p>
             <a:fld id="{0C306B1D-BC7F-6B48-AEFB-505DBC9F9C01}" type="datetimeFigureOut">
               <a:rPr lang="en-US" smtClean="0"/>
-              <a:t>16/09/14</a:t>
+              <a:t>19/09/14</a:t>
             </a:fld>
             <a:endParaRPr lang="en-US"/>
           </a:p>
@@ -1065,7 +1975,7 @@
           <a:p>
             <a:fld id="{0C306B1D-BC7F-6B48-AEFB-505DBC9F9C01}" type="datetimeFigureOut">
               <a:rPr lang="en-US" smtClean="0"/>
-              <a:t>16/09/14</a:t>
+              <a:t>19/09/14</a:t>
             </a:fld>
             <a:endParaRPr lang="en-US"/>
           </a:p>
@@ -1353,7 +2263,7 @@
           <a:p>
             <a:fld id="{0C306B1D-BC7F-6B48-AEFB-505DBC9F9C01}" type="datetimeFigureOut">
               <a:rPr lang="en-US" smtClean="0"/>
-              <a:t>16/09/14</a:t>
+              <a:t>19/09/14</a:t>
             </a:fld>
             <a:endParaRPr lang="en-US"/>
           </a:p>
@@ -1775,7 +2685,7 @@
           <a:p>
             <a:fld id="{0C306B1D-BC7F-6B48-AEFB-505DBC9F9C01}" type="datetimeFigureOut">
               <a:rPr lang="en-US" smtClean="0"/>
-              <a:t>16/09/14</a:t>
+              <a:t>19/09/14</a:t>
             </a:fld>
             <a:endParaRPr lang="en-US"/>
           </a:p>
@@ -1893,7 +2803,7 @@
           <a:p>
             <a:fld id="{0C306B1D-BC7F-6B48-AEFB-505DBC9F9C01}" type="datetimeFigureOut">
               <a:rPr lang="en-US" smtClean="0"/>
-              <a:t>16/09/14</a:t>
+              <a:t>19/09/14</a:t>
             </a:fld>
             <a:endParaRPr lang="en-US"/>
           </a:p>
@@ -1988,7 +2898,7 @@
           <a:p>
             <a:fld id="{0C306B1D-BC7F-6B48-AEFB-505DBC9F9C01}" type="datetimeFigureOut">
               <a:rPr lang="en-US" smtClean="0"/>
-              <a:t>16/09/14</a:t>
+              <a:t>19/09/14</a:t>
             </a:fld>
             <a:endParaRPr lang="en-US"/>
           </a:p>
@@ -2265,7 +3175,7 @@
           <a:p>
             <a:fld id="{0C306B1D-BC7F-6B48-AEFB-505DBC9F9C01}" type="datetimeFigureOut">
               <a:rPr lang="en-US" smtClean="0"/>
-              <a:t>16/09/14</a:t>
+              <a:t>19/09/14</a:t>
             </a:fld>
             <a:endParaRPr lang="en-US"/>
           </a:p>
@@ -2518,7 +3428,7 @@
           <a:p>
             <a:fld id="{0C306B1D-BC7F-6B48-AEFB-505DBC9F9C01}" type="datetimeFigureOut">
               <a:rPr lang="en-US" smtClean="0"/>
-              <a:t>16/09/14</a:t>
+              <a:t>19/09/14</a:t>
             </a:fld>
             <a:endParaRPr lang="en-US"/>
           </a:p>
@@ -2731,7 +3641,7 @@
           <a:p>
             <a:fld id="{0C306B1D-BC7F-6B48-AEFB-505DBC9F9C01}" type="datetimeFigureOut">
               <a:rPr lang="en-US" smtClean="0"/>
-              <a:t>16/09/14</a:t>
+              <a:t>19/09/14</a:t>
             </a:fld>
             <a:endParaRPr lang="en-US"/>
           </a:p>
@@ -3149,8 +4059,8 @@
               <a:t>1: </a:t>
             </a:r>
             <a:r>
-              <a:rPr lang="en-US" dirty="0" err="1" smtClean="0"/>
-              <a:t>Shellscripting</a:t>
+              <a:rPr lang="en-US" dirty="0" smtClean="0"/>
+              <a:t>Shell scripting</a:t>
             </a:r>
             <a:endParaRPr lang="en-US" dirty="0"/>
           </a:p>
@@ -3202,32 +4112,52 @@
           <a:lstStyle/>
           <a:p>
             <a:r>
+              <a:rPr lang="en-US" dirty="0" smtClean="0"/>
+              <a:t>Exercises</a:t>
+            </a:r>
+            <a:endParaRPr lang="en-US" dirty="0"/>
+          </a:p>
+        </p:txBody>
+      </p:sp>
+      <p:sp>
+        <p:nvSpPr>
+          <p:cNvPr id="3" name="Content Placeholder 2"/>
+          <p:cNvSpPr>
+            <a:spLocks noGrp="1"/>
+          </p:cNvSpPr>
+          <p:nvPr>
+            <p:ph idx="1"/>
+          </p:nvPr>
+        </p:nvSpPr>
+        <p:spPr/>
+        <p:txBody>
+          <a:bodyPr/>
+          <a:lstStyle/>
+          <a:p>
+            <a:r>
+              <a:rPr lang="en-US" dirty="0" smtClean="0"/>
+              <a:t>Get them from </a:t>
+            </a:r>
+            <a:r>
               <a:rPr lang="en-US" dirty="0" err="1" smtClean="0"/>
-              <a:t>Oppgave</a:t>
-            </a:r>
-            <a:r>
-              <a:rPr lang="en-US" dirty="0" smtClean="0"/>
-              <a:t> 1: filer</a:t>
-            </a:r>
-            <a:endParaRPr lang="en-US" dirty="0"/>
-          </a:p>
-        </p:txBody>
-      </p:sp>
-      <p:sp>
-        <p:nvSpPr>
-          <p:cNvPr id="3" name="Content Placeholder 2"/>
-          <p:cNvSpPr>
-            <a:spLocks noGrp="1"/>
-          </p:cNvSpPr>
-          <p:nvPr>
-            <p:ph idx="1"/>
-          </p:nvPr>
-        </p:nvSpPr>
-        <p:spPr/>
-        <p:txBody>
-          <a:bodyPr/>
-          <a:lstStyle/>
-          <a:p>
+              <a:t>nerdschool</a:t>
+            </a:r>
+            <a:r>
+              <a:rPr lang="en-US" dirty="0" err="1" smtClean="0"/>
+              <a:t>’s</a:t>
+            </a:r>
+            <a:r>
+              <a:rPr lang="en-US" dirty="0" smtClean="0"/>
+              <a:t> </a:t>
+            </a:r>
+            <a:r>
+              <a:rPr lang="en-US" dirty="0" err="1" smtClean="0"/>
+              <a:t>github</a:t>
+            </a:r>
+            <a:r>
+              <a:rPr lang="en-US" dirty="0" smtClean="0"/>
+              <a:t> page</a:t>
+            </a:r>
             <a:endParaRPr lang="en-US" dirty="0"/>
           </a:p>
         </p:txBody>
@@ -3236,212 +4166,6 @@
     <p:extLst>
       <p:ext uri="{BB962C8B-B14F-4D97-AF65-F5344CB8AC3E}">
         <p14:creationId xmlns:p14="http://schemas.microsoft.com/office/powerpoint/2010/main" val="2285890120"/>
-      </p:ext>
-    </p:extLst>
-  </p:cSld>
-  <p:clrMapOvr>
-    <a:masterClrMapping/>
-  </p:clrMapOvr>
-</p:sld>
-</file>
-
-<file path=ppt/slides/slide11.xml><?xml version="1.0" encoding="utf-8"?>
-<p:sld xmlns:a="http://schemas.openxmlformats.org/drawingml/2006/main" xmlns:r="http://schemas.openxmlformats.org/officeDocument/2006/relationships" xmlns:p="http://schemas.openxmlformats.org/presentationml/2006/main">
-  <p:cSld>
-    <p:spTree>
-      <p:nvGrpSpPr>
-        <p:cNvPr id="1" name=""/>
-        <p:cNvGrpSpPr/>
-        <p:nvPr/>
-      </p:nvGrpSpPr>
-      <p:grpSpPr>
-        <a:xfrm>
-          <a:off x="0" y="0"/>
-          <a:ext cx="0" cy="0"/>
-          <a:chOff x="0" y="0"/>
-          <a:chExt cx="0" cy="0"/>
-        </a:xfrm>
-      </p:grpSpPr>
-      <p:sp>
-        <p:nvSpPr>
-          <p:cNvPr id="2" name="Title 1"/>
-          <p:cNvSpPr>
-            <a:spLocks noGrp="1"/>
-          </p:cNvSpPr>
-          <p:nvPr>
-            <p:ph type="title"/>
-          </p:nvPr>
-        </p:nvSpPr>
-        <p:spPr/>
-        <p:txBody>
-          <a:bodyPr/>
-          <a:lstStyle/>
-          <a:p>
-            <a:r>
-              <a:rPr lang="en-US" dirty="0" err="1" smtClean="0"/>
-              <a:t>Oppgave</a:t>
-            </a:r>
-            <a:r>
-              <a:rPr lang="en-US" dirty="0" smtClean="0"/>
-              <a:t> 2: </a:t>
-            </a:r>
-            <a:r>
-              <a:rPr lang="en-US" dirty="0" err="1" smtClean="0"/>
-              <a:t>laste</a:t>
-            </a:r>
-            <a:r>
-              <a:rPr lang="en-US" dirty="0" smtClean="0"/>
-              <a:t> </a:t>
-            </a:r>
-            <a:r>
-              <a:rPr lang="en-US" dirty="0" err="1" smtClean="0"/>
-              <a:t>opp</a:t>
-            </a:r>
-            <a:r>
-              <a:rPr lang="en-US" dirty="0" smtClean="0"/>
-              <a:t> filer med </a:t>
-            </a:r>
-            <a:r>
-              <a:rPr lang="en-US" dirty="0" err="1" smtClean="0"/>
-              <a:t>ssh</a:t>
-            </a:r>
-            <a:endParaRPr lang="en-US" dirty="0"/>
-          </a:p>
-        </p:txBody>
-      </p:sp>
-      <p:sp>
-        <p:nvSpPr>
-          <p:cNvPr id="3" name="Content Placeholder 2"/>
-          <p:cNvSpPr>
-            <a:spLocks noGrp="1"/>
-          </p:cNvSpPr>
-          <p:nvPr>
-            <p:ph idx="1"/>
-          </p:nvPr>
-        </p:nvSpPr>
-        <p:spPr/>
-        <p:txBody>
-          <a:bodyPr/>
-          <a:lstStyle/>
-          <a:p>
-            <a:endParaRPr lang="en-US"/>
-          </a:p>
-        </p:txBody>
-      </p:sp>
-    </p:spTree>
-    <p:extLst>
-      <p:ext uri="{BB962C8B-B14F-4D97-AF65-F5344CB8AC3E}">
-        <p14:creationId xmlns:p14="http://schemas.microsoft.com/office/powerpoint/2010/main" val="1165382608"/>
-      </p:ext>
-    </p:extLst>
-  </p:cSld>
-  <p:clrMapOvr>
-    <a:masterClrMapping/>
-  </p:clrMapOvr>
-</p:sld>
-</file>
-
-<file path=ppt/slides/slide12.xml><?xml version="1.0" encoding="utf-8"?>
-<p:sld xmlns:a="http://schemas.openxmlformats.org/drawingml/2006/main" xmlns:r="http://schemas.openxmlformats.org/officeDocument/2006/relationships" xmlns:p="http://schemas.openxmlformats.org/presentationml/2006/main">
-  <p:cSld>
-    <p:spTree>
-      <p:nvGrpSpPr>
-        <p:cNvPr id="1" name=""/>
-        <p:cNvGrpSpPr/>
-        <p:nvPr/>
-      </p:nvGrpSpPr>
-      <p:grpSpPr>
-        <a:xfrm>
-          <a:off x="0" y="0"/>
-          <a:ext cx="0" cy="0"/>
-          <a:chOff x="0" y="0"/>
-          <a:chExt cx="0" cy="0"/>
-        </a:xfrm>
-      </p:grpSpPr>
-      <p:sp>
-        <p:nvSpPr>
-          <p:cNvPr id="2" name="Title 1"/>
-          <p:cNvSpPr>
-            <a:spLocks noGrp="1"/>
-          </p:cNvSpPr>
-          <p:nvPr>
-            <p:ph type="title"/>
-          </p:nvPr>
-        </p:nvSpPr>
-        <p:spPr/>
-        <p:txBody>
-          <a:bodyPr>
-            <a:normAutofit/>
-          </a:bodyPr>
-          <a:lstStyle/>
-          <a:p>
-            <a:r>
-              <a:rPr lang="en-US" dirty="0" err="1" smtClean="0"/>
-              <a:t>Oppgave</a:t>
-            </a:r>
-            <a:r>
-              <a:rPr lang="en-US" dirty="0" smtClean="0"/>
-              <a:t> 3: mange filer</a:t>
-            </a:r>
-            <a:endParaRPr lang="en-US" dirty="0"/>
-          </a:p>
-        </p:txBody>
-      </p:sp>
-      <p:sp>
-        <p:nvSpPr>
-          <p:cNvPr id="3" name="Content Placeholder 2"/>
-          <p:cNvSpPr>
-            <a:spLocks noGrp="1"/>
-          </p:cNvSpPr>
-          <p:nvPr>
-            <p:ph idx="1"/>
-          </p:nvPr>
-        </p:nvSpPr>
-        <p:spPr/>
-        <p:txBody>
-          <a:bodyPr/>
-          <a:lstStyle/>
-          <a:p>
-            <a:r>
-              <a:rPr lang="en-US" dirty="0" err="1" smtClean="0"/>
-              <a:t>Strippe</a:t>
-            </a:r>
-            <a:r>
-              <a:rPr lang="en-US" dirty="0" smtClean="0"/>
-              <a:t> </a:t>
-            </a:r>
-            <a:r>
-              <a:rPr lang="en-US" dirty="0" err="1" smtClean="0"/>
-              <a:t>ut</a:t>
-            </a:r>
-            <a:r>
-              <a:rPr lang="en-US" dirty="0" smtClean="0"/>
-              <a:t> </a:t>
-            </a:r>
-            <a:r>
-              <a:rPr lang="en-US" dirty="0" err="1" smtClean="0"/>
-              <a:t>testnavn</a:t>
-            </a:r>
-            <a:r>
-              <a:rPr lang="en-US" dirty="0" smtClean="0"/>
-              <a:t> </a:t>
-            </a:r>
-            <a:r>
-              <a:rPr lang="en-US" dirty="0" err="1" smtClean="0"/>
-              <a:t>fra</a:t>
-            </a:r>
-            <a:r>
-              <a:rPr lang="en-US" smtClean="0"/>
-              <a:t> filer? </a:t>
-            </a:r>
-            <a:endParaRPr lang="en-US"/>
-          </a:p>
-        </p:txBody>
-      </p:sp>
-    </p:spTree>
-    <p:extLst>
-      <p:ext uri="{BB962C8B-B14F-4D97-AF65-F5344CB8AC3E}">
-        <p14:creationId xmlns:p14="http://schemas.microsoft.com/office/powerpoint/2010/main" val="1157564809"/>
       </p:ext>
     </p:extLst>
   </p:cSld>
@@ -3480,64 +4204,63 @@
         </p:nvSpPr>
         <p:spPr/>
         <p:txBody>
-          <a:bodyPr/>
-          <a:lstStyle/>
+          <a:bodyPr>
+            <a:normAutofit/>
+          </a:bodyPr>
+          <a:lstStyle/>
+          <a:p>
+            <a:r>
+              <a:rPr lang="en-US" dirty="0" smtClean="0"/>
+              <a:t>Prerequisite: </a:t>
+            </a:r>
+            <a:r>
+              <a:rPr lang="en-US" dirty="0" smtClean="0"/>
+              <a:t>*nix</a:t>
+            </a:r>
+            <a:r>
+              <a:rPr lang="en-US" dirty="0" smtClean="0"/>
+              <a:t>-like console</a:t>
+            </a:r>
+            <a:endParaRPr lang="en-US" dirty="0"/>
+          </a:p>
+        </p:txBody>
+      </p:sp>
+      <p:sp>
+        <p:nvSpPr>
+          <p:cNvPr id="3" name="Content Placeholder 2"/>
+          <p:cNvSpPr>
+            <a:spLocks noGrp="1"/>
+          </p:cNvSpPr>
+          <p:nvPr>
+            <p:ph idx="1"/>
+          </p:nvPr>
+        </p:nvSpPr>
+        <p:spPr/>
+        <p:txBody>
+          <a:bodyPr/>
+          <a:lstStyle/>
+          <a:p>
+            <a:r>
+              <a:rPr lang="en-US" dirty="0" smtClean="0"/>
+              <a:t>OSX </a:t>
+            </a:r>
+          </a:p>
+          <a:p>
+            <a:r>
+              <a:rPr lang="en-US" dirty="0" smtClean="0"/>
+              <a:t>*nix</a:t>
+            </a:r>
+          </a:p>
           <a:p>
             <a:r>
               <a:rPr lang="en-US" dirty="0" err="1" smtClean="0"/>
-              <a:t>Forutsetning</a:t>
-            </a:r>
-            <a:r>
-              <a:rPr lang="en-US" dirty="0" smtClean="0"/>
-              <a:t>: *nix-</a:t>
-            </a:r>
-            <a:r>
-              <a:rPr lang="en-US" dirty="0" err="1" smtClean="0"/>
-              <a:t>lignende</a:t>
-            </a:r>
-            <a:r>
-              <a:rPr lang="en-US" dirty="0" smtClean="0"/>
-              <a:t> </a:t>
-            </a:r>
-            <a:r>
-              <a:rPr lang="en-US" dirty="0" err="1" smtClean="0"/>
-              <a:t>konsoll</a:t>
-            </a:r>
-            <a:endParaRPr lang="en-US" dirty="0"/>
-          </a:p>
-        </p:txBody>
-      </p:sp>
-      <p:sp>
-        <p:nvSpPr>
-          <p:cNvPr id="3" name="Content Placeholder 2"/>
-          <p:cNvSpPr>
-            <a:spLocks noGrp="1"/>
-          </p:cNvSpPr>
-          <p:nvPr>
-            <p:ph idx="1"/>
-          </p:nvPr>
-        </p:nvSpPr>
-        <p:spPr/>
-        <p:txBody>
-          <a:bodyPr/>
-          <a:lstStyle/>
-          <a:p>
-            <a:r>
-              <a:rPr lang="en-US" dirty="0" smtClean="0"/>
-              <a:t>OSX </a:t>
-            </a:r>
-          </a:p>
-          <a:p>
-            <a:r>
-              <a:rPr lang="en-US" dirty="0" smtClean="0"/>
-              <a:t>*nix</a:t>
-            </a:r>
-          </a:p>
-          <a:p>
-            <a:r>
-              <a:rPr lang="en-US" dirty="0" smtClean="0"/>
-              <a:t>Cygwin</a:t>
-            </a:r>
+              <a:t>Git</a:t>
+            </a:r>
+            <a:r>
+              <a:rPr lang="en-US" dirty="0" smtClean="0"/>
+              <a:t>-bash (in Windows) </a:t>
+            </a:r>
+            <a:endParaRPr lang="en-US" dirty="0" smtClean="0"/>
           </a:p>
           <a:p>
             <a:pPr marL="0" indent="0">
@@ -3593,28 +4316,8 @@
           <a:lstStyle/>
           <a:p>
             <a:r>
-              <a:rPr lang="en-US" dirty="0" err="1" smtClean="0"/>
-              <a:t>Hvordan</a:t>
-            </a:r>
-            <a:r>
-              <a:rPr lang="en-US" dirty="0" smtClean="0"/>
-              <a:t> </a:t>
-            </a:r>
-            <a:r>
-              <a:rPr lang="en-US" dirty="0" err="1" smtClean="0"/>
-              <a:t>virker</a:t>
-            </a:r>
-            <a:r>
-              <a:rPr lang="en-US" dirty="0" smtClean="0"/>
-              <a:t> </a:t>
-            </a:r>
-            <a:r>
-              <a:rPr lang="en-US" dirty="0" err="1" smtClean="0"/>
-              <a:t>skallet</a:t>
-            </a:r>
-            <a:r>
-              <a:rPr lang="en-US" dirty="0" smtClean="0"/>
-              <a:t>?</a:t>
+              <a:rPr lang="en-US" dirty="0" smtClean="0"/>
+              <a:t>How does the shell work?</a:t>
             </a:r>
             <a:endParaRPr lang="en-US" dirty="0"/>
           </a:p>
@@ -3636,104 +4339,22 @@
           <a:lstStyle/>
           <a:p>
             <a:r>
-              <a:rPr lang="en-US" dirty="0" err="1" smtClean="0"/>
-              <a:t>Skriv</a:t>
-            </a:r>
-            <a:r>
-              <a:rPr lang="en-US" dirty="0" smtClean="0"/>
-              <a:t> inn </a:t>
-            </a:r>
-            <a:r>
-              <a:rPr lang="en-US" dirty="0" err="1" smtClean="0"/>
-              <a:t>kommando</a:t>
-            </a:r>
-            <a:r>
-              <a:rPr lang="en-US" dirty="0" smtClean="0"/>
-              <a:t>, </a:t>
-            </a:r>
-            <a:r>
-              <a:rPr lang="en-US" dirty="0" err="1" smtClean="0"/>
-              <a:t>trykk</a:t>
-            </a:r>
-            <a:r>
-              <a:rPr lang="en-US" dirty="0" smtClean="0"/>
-              <a:t> enter</a:t>
-            </a:r>
-          </a:p>
-          <a:p>
-            <a:r>
-              <a:rPr lang="en-US" dirty="0" err="1" smtClean="0"/>
-              <a:t>Kommando</a:t>
-            </a:r>
-            <a:r>
-              <a:rPr lang="en-US" dirty="0" smtClean="0"/>
-              <a:t> </a:t>
-            </a:r>
-            <a:r>
-              <a:rPr lang="en-US" dirty="0" err="1" smtClean="0"/>
-              <a:t>tolkes</a:t>
-            </a:r>
-            <a:r>
-              <a:rPr lang="en-US" dirty="0" smtClean="0"/>
-              <a:t> </a:t>
-            </a:r>
-            <a:r>
-              <a:rPr lang="en-US" dirty="0" err="1" smtClean="0"/>
-              <a:t>og</a:t>
-            </a:r>
-            <a:r>
-              <a:rPr lang="en-US" dirty="0" smtClean="0"/>
-              <a:t> </a:t>
-            </a:r>
-            <a:r>
-              <a:rPr lang="en-US" dirty="0" err="1" smtClean="0"/>
-              <a:t>eksekveres</a:t>
-            </a:r>
-            <a:r>
-              <a:rPr lang="en-US" dirty="0" smtClean="0"/>
-              <a:t> der </a:t>
-            </a:r>
-            <a:r>
-              <a:rPr lang="en-US" dirty="0" err="1" smtClean="0"/>
-              <a:t>og</a:t>
-            </a:r>
-            <a:r>
-              <a:rPr lang="en-US" dirty="0" smtClean="0"/>
-              <a:t> da</a:t>
-            </a:r>
-          </a:p>
-          <a:p>
-            <a:r>
-              <a:rPr lang="en-US" dirty="0" err="1" smtClean="0"/>
-              <a:t>Resultat</a:t>
-            </a:r>
-            <a:r>
-              <a:rPr lang="en-US" dirty="0" smtClean="0"/>
-              <a:t> </a:t>
-            </a:r>
-            <a:r>
-              <a:rPr lang="en-US" dirty="0" err="1" smtClean="0"/>
-              <a:t>skrives</a:t>
-            </a:r>
-            <a:r>
-              <a:rPr lang="en-US" dirty="0" smtClean="0"/>
-              <a:t> </a:t>
-            </a:r>
-            <a:r>
-              <a:rPr lang="en-US" dirty="0" err="1" smtClean="0"/>
-              <a:t>til</a:t>
-            </a:r>
-            <a:r>
-              <a:rPr lang="en-US" dirty="0" smtClean="0"/>
-              <a:t> </a:t>
-            </a:r>
-            <a:r>
-              <a:rPr lang="en-US" dirty="0" err="1" smtClean="0"/>
-              <a:t>skjerm</a:t>
-            </a:r>
-            <a:r>
-              <a:rPr lang="en-US" dirty="0" smtClean="0"/>
-              <a:t> med en gang</a:t>
+              <a:rPr lang="en-US" dirty="0" smtClean="0"/>
+              <a:t>Type a command, press enter</a:t>
+            </a:r>
+            <a:endParaRPr lang="en-US" dirty="0" smtClean="0"/>
+          </a:p>
+          <a:p>
+            <a:r>
+              <a:rPr lang="en-US" dirty="0" smtClean="0"/>
+              <a:t>Command executes immediately</a:t>
+            </a:r>
+            <a:endParaRPr lang="en-US" dirty="0" smtClean="0"/>
+          </a:p>
+          <a:p>
+            <a:r>
+              <a:rPr lang="en-US" dirty="0" smtClean="0"/>
+              <a:t>Result is printed to standard out (the terminal)</a:t>
             </a:r>
             <a:endParaRPr lang="en-US" dirty="0"/>
           </a:p>
@@ -3785,28 +4406,8 @@
           <a:lstStyle/>
           <a:p>
             <a:r>
-              <a:rPr lang="en-US" dirty="0" err="1" smtClean="0"/>
-              <a:t>Hva</a:t>
-            </a:r>
-            <a:r>
-              <a:rPr lang="en-US" dirty="0" smtClean="0"/>
-              <a:t> </a:t>
-            </a:r>
-            <a:r>
-              <a:rPr lang="en-US" dirty="0" err="1" smtClean="0"/>
-              <a:t>er</a:t>
-            </a:r>
-            <a:r>
-              <a:rPr lang="en-US" dirty="0" smtClean="0"/>
-              <a:t> en </a:t>
-            </a:r>
-            <a:r>
-              <a:rPr lang="en-US" dirty="0" err="1" smtClean="0"/>
-              <a:t>kommando</a:t>
-            </a:r>
-            <a:r>
-              <a:rPr lang="en-US" dirty="0" smtClean="0"/>
-              <a:t>?</a:t>
+              <a:rPr lang="en-US" dirty="0" smtClean="0"/>
+              <a:t>What is a command?</a:t>
             </a:r>
             <a:endParaRPr lang="en-US" dirty="0"/>
           </a:p>
@@ -3828,37 +4429,10 @@
           <a:lstStyle/>
           <a:p>
             <a:r>
-              <a:rPr lang="en-US" dirty="0" err="1" smtClean="0"/>
-              <a:t>Små</a:t>
-            </a:r>
-            <a:r>
-              <a:rPr lang="en-US" dirty="0" smtClean="0"/>
-              <a:t> programmer </a:t>
-            </a:r>
-            <a:r>
-              <a:rPr lang="en-US" dirty="0" err="1" smtClean="0"/>
-              <a:t>som</a:t>
-            </a:r>
-            <a:r>
-              <a:rPr lang="en-US" dirty="0" smtClean="0"/>
-              <a:t> </a:t>
-            </a:r>
-            <a:r>
-              <a:rPr lang="en-US" dirty="0" err="1" smtClean="0"/>
-              <a:t>utføres</a:t>
-            </a:r>
-            <a:r>
-              <a:rPr lang="en-US" dirty="0" smtClean="0"/>
-              <a:t> </a:t>
-            </a:r>
-            <a:r>
-              <a:rPr lang="en-US" dirty="0" err="1" smtClean="0"/>
-              <a:t>vanvittig</a:t>
-            </a:r>
-            <a:r>
-              <a:rPr lang="en-US" dirty="0" smtClean="0"/>
-              <a:t> fort</a:t>
-            </a:r>
+              <a:rPr lang="en-US" dirty="0" smtClean="0"/>
+              <a:t>Small program that executes incredibly fast</a:t>
+            </a:r>
+            <a:endParaRPr lang="en-US" dirty="0" smtClean="0"/>
           </a:p>
         </p:txBody>
       </p:sp>
@@ -3910,16 +4484,16 @@
           <a:lstStyle/>
           <a:p>
             <a:r>
-              <a:rPr lang="en-US" dirty="0" err="1" smtClean="0"/>
-              <a:t>Generell</a:t>
-            </a:r>
-            <a:r>
-              <a:rPr lang="en-US" dirty="0" smtClean="0"/>
-              <a:t> syntax for </a:t>
-            </a:r>
-            <a:r>
-              <a:rPr lang="en-US" dirty="0" err="1" smtClean="0"/>
-              <a:t>kommandoer</a:t>
+              <a:rPr lang="en-US" dirty="0" smtClean="0"/>
+              <a:t>General </a:t>
+            </a:r>
+            <a:r>
+              <a:rPr lang="en-US" dirty="0" smtClean="0"/>
+              <a:t>syntax for </a:t>
+            </a:r>
+            <a:r>
+              <a:rPr lang="en-US" dirty="0" smtClean="0"/>
+              <a:t>commands</a:t>
             </a:r>
             <a:endParaRPr lang="en-US" dirty="0"/>
           </a:p>
@@ -3942,52 +4516,45 @@
           <a:p>
             <a:r>
               <a:rPr lang="en-US" dirty="0" smtClean="0"/>
-              <a:t>&lt;</a:t>
-            </a:r>
-            <a:r>
-              <a:rPr lang="en-US" dirty="0" err="1" smtClean="0"/>
-              <a:t>kommando</a:t>
-            </a:r>
-            <a:r>
-              <a:rPr lang="en-US" dirty="0" smtClean="0"/>
-              <a:t>&gt; &lt;</a:t>
-            </a:r>
-            <a:r>
-              <a:rPr lang="en-US" dirty="0" err="1" smtClean="0"/>
-              <a:t>argumenter</a:t>
-            </a:r>
-            <a:r>
-              <a:rPr lang="en-US" dirty="0" smtClean="0"/>
-              <a:t>&gt;</a:t>
-            </a:r>
-          </a:p>
-          <a:p>
-            <a:r>
-              <a:rPr lang="en-US" dirty="0" smtClean="0"/>
-              <a:t>&lt;</a:t>
-            </a:r>
-            <a:r>
-              <a:rPr lang="en-US" dirty="0" err="1" smtClean="0"/>
-              <a:t>kommando</a:t>
-            </a:r>
-            <a:r>
-              <a:rPr lang="en-US" dirty="0" smtClean="0"/>
-              <a:t>&gt; -&lt;argument&gt;</a:t>
-            </a:r>
-          </a:p>
-          <a:p>
-            <a:r>
-              <a:rPr lang="en-US" dirty="0" smtClean="0"/>
-              <a:t>&lt;</a:t>
-            </a:r>
-            <a:r>
-              <a:rPr lang="en-US" dirty="0" err="1" smtClean="0"/>
-              <a:t>kommando</a:t>
-            </a:r>
-            <a:r>
-              <a:rPr lang="en-US" dirty="0" smtClean="0"/>
-              <a:t>&gt; -&lt;argument&gt; &lt;parameter&gt;</a:t>
-            </a:r>
+              <a:t>&lt;command&gt;</a:t>
+            </a:r>
+          </a:p>
+          <a:p>
+            <a:r>
+              <a:rPr lang="en-US" dirty="0" smtClean="0"/>
+              <a:t>&lt;command&gt; &lt;argument&gt;</a:t>
+            </a:r>
+            <a:endParaRPr lang="en-US" dirty="0" smtClean="0"/>
+          </a:p>
+          <a:p>
+            <a:r>
+              <a:rPr lang="en-US" dirty="0" smtClean="0"/>
+              <a:t>&lt;command&gt; </a:t>
+            </a:r>
+            <a:r>
+              <a:rPr lang="en-US" dirty="0" smtClean="0"/>
+              <a:t>-</a:t>
+            </a:r>
+            <a:r>
+              <a:rPr lang="en-US" dirty="0" smtClean="0"/>
+              <a:t>&lt;parameter&gt;</a:t>
+            </a:r>
+            <a:endParaRPr lang="en-US" dirty="0" smtClean="0"/>
+          </a:p>
+          <a:p>
+            <a:r>
+              <a:rPr lang="en-US" dirty="0" smtClean="0"/>
+              <a:t>&lt;command&gt; </a:t>
+            </a:r>
+            <a:r>
+              <a:rPr lang="en-US" dirty="0" smtClean="0"/>
+              <a:t>-</a:t>
+            </a:r>
+            <a:r>
+              <a:rPr lang="en-US" dirty="0" smtClean="0"/>
+              <a:t>&lt;parameter&gt; &lt;argument&gt;</a:t>
+            </a:r>
+            <a:endParaRPr lang="en-US" dirty="0" smtClean="0"/>
           </a:p>
           <a:p>
             <a:pPr marL="0" indent="0">
@@ -4044,100 +4611,57 @@
           <a:p>
             <a:r>
               <a:rPr lang="en-US" dirty="0" err="1" smtClean="0"/>
-              <a:t>Noen</a:t>
-            </a:r>
-            <a:r>
-              <a:rPr lang="en-US" dirty="0" smtClean="0"/>
-              <a:t> “</a:t>
+              <a:t>Some“common</a:t>
+            </a:r>
+            <a:r>
+              <a:rPr lang="en-US" dirty="0" smtClean="0"/>
+              <a:t>” arguments</a:t>
+            </a:r>
+            <a:endParaRPr lang="en-US" dirty="0"/>
+          </a:p>
+        </p:txBody>
+      </p:sp>
+      <p:sp>
+        <p:nvSpPr>
+          <p:cNvPr id="3" name="Content Placeholder 2"/>
+          <p:cNvSpPr>
+            <a:spLocks noGrp="1"/>
+          </p:cNvSpPr>
+          <p:nvPr>
+            <p:ph idx="1"/>
+          </p:nvPr>
+        </p:nvSpPr>
+        <p:spPr/>
+        <p:txBody>
+          <a:bodyPr/>
+          <a:lstStyle/>
+          <a:p>
+            <a:r>
+              <a:rPr lang="en-US" dirty="0" smtClean="0"/>
+              <a:t>-v : </a:t>
+            </a:r>
+            <a:r>
+              <a:rPr lang="en-US" dirty="0" smtClean="0"/>
+              <a:t>version or verbose </a:t>
+            </a:r>
+            <a:endParaRPr lang="en-US" dirty="0" smtClean="0"/>
+          </a:p>
+          <a:p>
+            <a:r>
+              <a:rPr lang="en-US" dirty="0" smtClean="0"/>
+              <a:t>-r </a:t>
+            </a:r>
+            <a:r>
+              <a:rPr lang="en-US" dirty="0" smtClean="0"/>
+              <a:t>or-</a:t>
+            </a:r>
+            <a:r>
+              <a:rPr lang="en-US" dirty="0" smtClean="0"/>
+              <a:t>R : </a:t>
             </a:r>
             <a:r>
               <a:rPr lang="en-US" dirty="0" err="1" smtClean="0"/>
-              <a:t>vanlige</a:t>
-            </a:r>
-            <a:r>
-              <a:rPr lang="en-US" dirty="0" smtClean="0"/>
-              <a:t>” </a:t>
-            </a:r>
-            <a:r>
-              <a:rPr lang="en-US" dirty="0" err="1" smtClean="0"/>
-              <a:t>argumenter</a:t>
-            </a:r>
-            <a:r>
-              <a:rPr lang="en-US" dirty="0" smtClean="0"/>
-              <a:t> </a:t>
-            </a:r>
-            <a:endParaRPr lang="en-US" dirty="0"/>
-          </a:p>
-        </p:txBody>
-      </p:sp>
-      <p:sp>
-        <p:nvSpPr>
-          <p:cNvPr id="3" name="Content Placeholder 2"/>
-          <p:cNvSpPr>
-            <a:spLocks noGrp="1"/>
-          </p:cNvSpPr>
-          <p:nvPr>
-            <p:ph idx="1"/>
-          </p:nvPr>
-        </p:nvSpPr>
-        <p:spPr/>
-        <p:txBody>
-          <a:bodyPr/>
-          <a:lstStyle/>
-          <a:p>
-            <a:r>
-              <a:rPr lang="en-US" dirty="0" smtClean="0"/>
-              <a:t>-v : </a:t>
-            </a:r>
-            <a:r>
-              <a:rPr lang="en-US" dirty="0" err="1" smtClean="0"/>
-              <a:t>versjon</a:t>
-            </a:r>
-            <a:r>
-              <a:rPr lang="en-US" dirty="0" smtClean="0"/>
-              <a:t> </a:t>
-            </a:r>
-            <a:r>
-              <a:rPr lang="en-US" dirty="0" err="1" smtClean="0"/>
-              <a:t>eller</a:t>
-            </a:r>
-            <a:r>
-              <a:rPr lang="en-US" dirty="0" smtClean="0"/>
-              <a:t> </a:t>
-            </a:r>
-            <a:r>
-              <a:rPr lang="en-US" dirty="0" err="1" smtClean="0"/>
-              <a:t>verbos</a:t>
-            </a:r>
-            <a:r>
-              <a:rPr lang="en-US" dirty="0" smtClean="0"/>
-              <a:t> (</a:t>
-            </a:r>
-            <a:r>
-              <a:rPr lang="en-US" dirty="0" err="1" smtClean="0"/>
-              <a:t>taletrengt</a:t>
-            </a:r>
-            <a:r>
-              <a:rPr lang="en-US" dirty="0" smtClean="0"/>
-              <a:t>)</a:t>
-            </a:r>
-          </a:p>
-          <a:p>
-            <a:r>
-              <a:rPr lang="en-US" dirty="0" smtClean="0"/>
-              <a:t>-r </a:t>
-            </a:r>
-            <a:r>
-              <a:rPr lang="en-US" dirty="0" err="1" smtClean="0"/>
-              <a:t>eller</a:t>
-            </a:r>
-            <a:r>
-              <a:rPr lang="en-US" dirty="0" smtClean="0"/>
-              <a:t> -R : </a:t>
-            </a:r>
-            <a:r>
-              <a:rPr lang="en-US" dirty="0" err="1" smtClean="0"/>
-              <a:t>rekursivt</a:t>
+              <a:t>rekursive</a:t>
             </a:r>
             <a:endParaRPr lang="en-US" dirty="0" smtClean="0"/>
           </a:p>
@@ -4147,13 +4671,10 @@
               <a:t>-n </a:t>
             </a:r>
             <a:r>
-              <a:rPr lang="en-US" dirty="0" err="1" smtClean="0"/>
-              <a:t>antall</a:t>
-            </a:r>
-            <a:r>
-              <a:rPr lang="en-US" dirty="0" smtClean="0"/>
-              <a:t> </a:t>
-            </a:r>
+              <a:rPr lang="en-US" dirty="0" smtClean="0"/>
+              <a:t>number</a:t>
+            </a:r>
+            <a:endParaRPr lang="en-US" dirty="0" smtClean="0"/>
           </a:p>
           <a:p>
             <a:r>
@@ -4161,28 +4682,8 @@
               <a:t>-f </a:t>
             </a:r>
             <a:r>
-              <a:rPr lang="en-US" dirty="0" err="1" smtClean="0"/>
-              <a:t>fil</a:t>
-            </a:r>
-            <a:r>
-              <a:rPr lang="en-US" dirty="0" smtClean="0"/>
-              <a:t> </a:t>
-            </a:r>
-            <a:r>
-              <a:rPr lang="en-US" dirty="0" err="1" smtClean="0"/>
-              <a:t>eller</a:t>
-            </a:r>
-            <a:r>
-              <a:rPr lang="en-US" dirty="0" smtClean="0"/>
-              <a:t> force (</a:t>
-            </a:r>
-            <a:r>
-              <a:rPr lang="en-US" dirty="0" err="1" smtClean="0"/>
-              <a:t>tvinge</a:t>
-            </a:r>
-            <a:r>
-              <a:rPr lang="en-US" dirty="0" smtClean="0"/>
-              <a:t>)</a:t>
+              <a:rPr lang="en-US" dirty="0" smtClean="0"/>
+              <a:t>file or force</a:t>
             </a:r>
             <a:endParaRPr lang="en-US" dirty="0"/>
           </a:p>
@@ -4271,72 +4772,16 @@
           </a:p>
           <a:p>
             <a:r>
-              <a:rPr lang="en-US" dirty="0" err="1" smtClean="0"/>
-              <a:t>Sette</a:t>
-            </a:r>
-            <a:r>
-              <a:rPr lang="en-US" dirty="0" smtClean="0"/>
-              <a:t> </a:t>
-            </a:r>
-            <a:r>
-              <a:rPr lang="en-US" dirty="0" err="1" smtClean="0"/>
-              <a:t>sammen</a:t>
-            </a:r>
-            <a:r>
-              <a:rPr lang="en-US" dirty="0" smtClean="0"/>
-              <a:t> </a:t>
-            </a:r>
-            <a:r>
-              <a:rPr lang="en-US" dirty="0" err="1" smtClean="0"/>
-              <a:t>kommandoer</a:t>
+              <a:rPr lang="en-US" dirty="0" smtClean="0"/>
+              <a:t>Puts commands together </a:t>
+            </a:r>
+          </a:p>
+          <a:p>
+            <a:r>
+              <a:rPr lang="en-US" dirty="0" smtClean="0"/>
+              <a:t>Sends output from standard out to standard in </a:t>
             </a:r>
             <a:endParaRPr lang="en-US" dirty="0" smtClean="0"/>
-          </a:p>
-          <a:p>
-            <a:r>
-              <a:rPr lang="en-US" dirty="0" smtClean="0"/>
-              <a:t>Sender output </a:t>
-            </a:r>
-            <a:r>
-              <a:rPr lang="en-US" dirty="0" err="1" smtClean="0"/>
-              <a:t>fra</a:t>
-            </a:r>
-            <a:r>
-              <a:rPr lang="en-US" dirty="0" smtClean="0"/>
-              <a:t> standard </a:t>
-            </a:r>
-            <a:r>
-              <a:rPr lang="en-US" dirty="0" err="1" smtClean="0"/>
-              <a:t>ut</a:t>
-            </a:r>
-            <a:r>
-              <a:rPr lang="en-US" dirty="0" smtClean="0"/>
-              <a:t> </a:t>
-            </a:r>
-            <a:r>
-              <a:rPr lang="en-US" dirty="0" err="1" smtClean="0"/>
-              <a:t>til</a:t>
-            </a:r>
-            <a:r>
-              <a:rPr lang="en-US" dirty="0" smtClean="0"/>
-              <a:t> </a:t>
-            </a:r>
-            <a:r>
-              <a:rPr lang="en-US" dirty="0" err="1" smtClean="0"/>
-              <a:t>stardard</a:t>
-            </a:r>
-            <a:r>
-              <a:rPr lang="en-US" dirty="0" smtClean="0"/>
-              <a:t> inn for </a:t>
-            </a:r>
-            <a:r>
-              <a:rPr lang="en-US" dirty="0" err="1" smtClean="0"/>
-              <a:t>neste</a:t>
-            </a:r>
-            <a:r>
-              <a:rPr lang="en-US" dirty="0" smtClean="0"/>
-              <a:t> program</a:t>
-            </a:r>
           </a:p>
           <a:p>
             <a:pPr marL="0" indent="0">
@@ -4392,8 +4837,8 @@
           <a:lstStyle/>
           <a:p>
             <a:r>
-              <a:rPr lang="en-US" dirty="0" err="1" smtClean="0"/>
-              <a:t>Eksempelscript</a:t>
+              <a:rPr lang="en-US" smtClean="0"/>
+              <a:t>Examples</a:t>
             </a:r>
             <a:endParaRPr lang="en-US" dirty="0"/>
           </a:p>
@@ -4464,20 +4909,8 @@
           <a:lstStyle/>
           <a:p>
             <a:r>
-              <a:rPr lang="en-US" dirty="0" err="1" smtClean="0"/>
-              <a:t>Hjelp</a:t>
-            </a:r>
-            <a:r>
-              <a:rPr lang="en-US" dirty="0" smtClean="0"/>
-              <a:t> </a:t>
-            </a:r>
-            <a:r>
-              <a:rPr lang="en-US" dirty="0" err="1" smtClean="0"/>
-              <a:t>hjelp</a:t>
-            </a:r>
-            <a:r>
-              <a:rPr lang="en-US" dirty="0" smtClean="0"/>
-              <a:t>!</a:t>
+              <a:rPr lang="en-US" dirty="0" smtClean="0"/>
+              <a:t>Help help!</a:t>
             </a:r>
             <a:endParaRPr lang="en-US" dirty="0"/>
           </a:p>
@@ -4503,20 +4936,12 @@
               <a:t>Google </a:t>
             </a:r>
             <a:r>
-              <a:rPr lang="en-US" dirty="0" err="1" smtClean="0"/>
-              <a:t>er</a:t>
-            </a:r>
-            <a:r>
-              <a:rPr lang="en-US" dirty="0" smtClean="0"/>
-              <a:t> din </a:t>
-            </a:r>
-            <a:r>
-              <a:rPr lang="en-US" dirty="0" err="1" smtClean="0"/>
-              <a:t>venn</a:t>
-            </a:r>
-            <a:r>
-              <a:rPr lang="en-US" dirty="0" smtClean="0"/>
-              <a:t> (</a:t>
+              <a:rPr lang="en-US" dirty="0" smtClean="0"/>
+              <a:t>is your friend </a:t>
+            </a:r>
+            <a:r>
+              <a:rPr lang="en-US" dirty="0" smtClean="0"/>
+              <a:t>(</a:t>
             </a:r>
             <a:r>
               <a:rPr lang="en-US" dirty="0" err="1" smtClean="0"/>
@@ -4527,96 +4952,50 @@
               <a:t> </a:t>
             </a:r>
             <a:r>
+              <a:rPr lang="en-US" dirty="0" smtClean="0"/>
+              <a:t>too)</a:t>
+            </a:r>
+            <a:endParaRPr lang="en-US" dirty="0" smtClean="0"/>
+          </a:p>
+          <a:p>
+            <a:r>
+              <a:rPr lang="en-US" dirty="0" smtClean="0"/>
+              <a:t>man </a:t>
+            </a:r>
+            <a:r>
+              <a:rPr lang="en-US" dirty="0" smtClean="0"/>
+              <a:t>&lt;command&gt; </a:t>
+            </a:r>
+            <a:r>
+              <a:rPr lang="en-US" dirty="0" smtClean="0"/>
+              <a:t>(</a:t>
+            </a:r>
+            <a:r>
               <a:rPr lang="en-US" dirty="0" err="1" smtClean="0"/>
-              <a:t>også</a:t>
-            </a:r>
-            <a:r>
-              <a:rPr lang="en-US" dirty="0" smtClean="0"/>
-              <a:t>)</a:t>
-            </a:r>
-          </a:p>
-          <a:p>
-            <a:r>
-              <a:rPr lang="en-US" dirty="0" smtClean="0"/>
-              <a:t>man &lt;</a:t>
-            </a:r>
+              <a:t>presise</a:t>
+            </a:r>
+            <a:r>
+              <a:rPr lang="en-US" dirty="0" smtClean="0"/>
+              <a:t>, but not always very helpful)</a:t>
+            </a:r>
+            <a:endParaRPr lang="en-US" dirty="0" smtClean="0"/>
+          </a:p>
+          <a:p>
             <a:r>
               <a:rPr lang="en-US" dirty="0" err="1" smtClean="0"/>
-              <a:t>kommando</a:t>
-            </a:r>
-            <a:r>
-              <a:rPr lang="en-US" dirty="0" smtClean="0"/>
-              <a:t>&gt; (</a:t>
+              <a:t>commandLineTips.txt</a:t>
+            </a:r>
+            <a:r>
+              <a:rPr lang="en-US" dirty="0" smtClean="0"/>
+              <a:t> from </a:t>
             </a:r>
             <a:r>
               <a:rPr lang="en-US" dirty="0" err="1" smtClean="0"/>
-              <a:t>presis</a:t>
-            </a:r>
-            <a:r>
-              <a:rPr lang="en-US" dirty="0" smtClean="0"/>
-              <a:t>, men </a:t>
+              <a:t>nerdschool</a:t>
             </a:r>
             <a:r>
               <a:rPr lang="en-US" dirty="0" err="1" smtClean="0"/>
-              <a:t>ikke</a:t>
-            </a:r>
-            <a:r>
-              <a:rPr lang="en-US" dirty="0" smtClean="0"/>
-              <a:t> </a:t>
-            </a:r>
-            <a:r>
-              <a:rPr lang="en-US" dirty="0" err="1" smtClean="0"/>
-              <a:t>alltid</a:t>
-            </a:r>
-            <a:r>
-              <a:rPr lang="en-US" dirty="0" smtClean="0"/>
-              <a:t> </a:t>
-            </a:r>
-            <a:r>
-              <a:rPr lang="en-US" dirty="0" err="1" smtClean="0"/>
-              <a:t>så</a:t>
-            </a:r>
-            <a:r>
-              <a:rPr lang="en-US" dirty="0" smtClean="0"/>
-              <a:t> </a:t>
-            </a:r>
-            <a:r>
-              <a:rPr lang="en-US" dirty="0" err="1" smtClean="0"/>
-              <a:t>hjelpsom</a:t>
-            </a:r>
-            <a:r>
-              <a:rPr lang="en-US" dirty="0" smtClean="0"/>
-              <a:t>)</a:t>
-            </a:r>
-          </a:p>
-          <a:p>
-            <a:r>
-              <a:rPr lang="en-US" dirty="0" err="1" smtClean="0"/>
-              <a:t>Sjekk</a:t>
-            </a:r>
-            <a:r>
-              <a:rPr lang="en-US" dirty="0" smtClean="0"/>
-              <a:t> </a:t>
-            </a:r>
-            <a:r>
-              <a:rPr lang="en-US" dirty="0" err="1" smtClean="0"/>
-              <a:t>ut</a:t>
-            </a:r>
-            <a:r>
-              <a:rPr lang="en-US" dirty="0" smtClean="0"/>
-              <a:t> </a:t>
-            </a:r>
-            <a:r>
-              <a:rPr lang="en-US" dirty="0" err="1" smtClean="0"/>
-              <a:t>kommandolinje.txt</a:t>
-            </a:r>
-            <a:r>
-              <a:rPr lang="en-US" dirty="0" smtClean="0"/>
-              <a:t> </a:t>
-            </a:r>
-            <a:r>
-              <a:rPr lang="en-US" dirty="0" err="1" smtClean="0"/>
-              <a:t>fra</a:t>
+              <a:t>’s</a:t>
             </a:r>
             <a:r>
               <a:rPr lang="en-US" dirty="0" smtClean="0"/>
@@ -4625,6 +5004,10 @@
             <a:r>
               <a:rPr lang="en-US" dirty="0" err="1" smtClean="0"/>
               <a:t>github</a:t>
+            </a:r>
+            <a:r>
+              <a:rPr lang="en-US" dirty="0" smtClean="0"/>
+              <a:t> page</a:t>
             </a:r>
             <a:endParaRPr lang="en-US" dirty="0"/>
           </a:p>
@@ -4961,4 +5344,324 @@
   </a:objectDefaults>
   <a:extraClrSchemeLst/>
 </a:theme>
+</file>
+
+<file path=ppt/theme/theme2.xml><?xml version="1.0" encoding="utf-8"?>
+<a:theme xmlns:a="http://schemas.openxmlformats.org/drawingml/2006/main" name="Office Theme">
+  <a:themeElements>
+    <a:clrScheme name="Office">
+      <a:dk1>
+        <a:sysClr val="windowText" lastClr="000000"/>
+      </a:dk1>
+      <a:lt1>
+        <a:sysClr val="window" lastClr="FFFFFF"/>
+      </a:lt1>
+      <a:dk2>
+        <a:srgbClr val="1F497D"/>
+      </a:dk2>
+      <a:lt2>
+        <a:srgbClr val="EEECE1"/>
+      </a:lt2>
+      <a:accent1>
+        <a:srgbClr val="4F81BD"/>
+      </a:accent1>
+      <a:accent2>
+        <a:srgbClr val="C0504D"/>
+      </a:accent2>
+      <a:accent3>
+        <a:srgbClr val="9BBB59"/>
+      </a:accent3>
+      <a:accent4>
+        <a:srgbClr val="8064A2"/>
+      </a:accent4>
+      <a:accent5>
+        <a:srgbClr val="4BACC6"/>
+      </a:accent5>
+      <a:accent6>
+        <a:srgbClr val="F79646"/>
+      </a:accent6>
+      <a:hlink>
+        <a:srgbClr val="0000FF"/>
+      </a:hlink>
+      <a:folHlink>
+        <a:srgbClr val="800080"/>
+      </a:folHlink>
+    </a:clrScheme>
+    <a:fontScheme name="Office">
+      <a:majorFont>
+        <a:latin typeface="Calibri"/>
+        <a:ea typeface=""/>
+        <a:cs typeface=""/>
+        <a:font script="Jpan" typeface="ＭＳ Ｐゴシック"/>
+        <a:font script="Hang" typeface="맑은 고딕"/>
+        <a:font script="Hans" typeface="宋体"/>
+        <a:font script="Hant" typeface="新細明體"/>
+        <a:font script="Arab" typeface="Times New Roman"/>
+        <a:font script="Hebr" typeface="Times New Roman"/>
+        <a:font script="Thai" typeface="Angsana New"/>
+        <a:font script="Ethi" typeface="Nyala"/>
+        <a:font script="Beng" typeface="Vrinda"/>
+        <a:font script="Gujr" typeface="Shruti"/>
+        <a:font script="Khmr" typeface="MoolBoran"/>
+        <a:font script="Knda" typeface="Tunga"/>
+        <a:font script="Guru" typeface="Raavi"/>
+        <a:font script="Cans" typeface="Euphemia"/>
+        <a:font script="Cher" typeface="Plantagenet Cherokee"/>
+        <a:font script="Yiii" typeface="Microsoft Yi Baiti"/>
+        <a:font script="Tibt" typeface="Microsoft Himalaya"/>
+        <a:font script="Thaa" typeface="MV Boli"/>
+        <a:font script="Deva" typeface="Mangal"/>
+        <a:font script="Telu" typeface="Gautami"/>
+        <a:font script="Taml" typeface="Latha"/>
+        <a:font script="Syrc" typeface="Estrangelo Edessa"/>
+        <a:font script="Orya" typeface="Kalinga"/>
+        <a:font script="Mlym" typeface="Kartika"/>
+        <a:font script="Laoo" typeface="DokChampa"/>
+        <a:font script="Sinh" typeface="Iskoola Pota"/>
+        <a:font script="Mong" typeface="Mongolian Baiti"/>
+        <a:font script="Viet" typeface="Times New Roman"/>
+        <a:font script="Uigh" typeface="Microsoft Uighur"/>
+        <a:font script="Geor" typeface="Sylfaen"/>
+      </a:majorFont>
+      <a:minorFont>
+        <a:latin typeface="Calibri"/>
+        <a:ea typeface=""/>
+        <a:cs typeface=""/>
+        <a:font script="Jpan" typeface="ＭＳ Ｐゴシック"/>
+        <a:font script="Hang" typeface="맑은 고딕"/>
+        <a:font script="Hans" typeface="宋体"/>
+        <a:font script="Hant" typeface="新細明體"/>
+        <a:font script="Arab" typeface="Arial"/>
+        <a:font script="Hebr" typeface="Arial"/>
+        <a:font script="Thai" typeface="Cordia New"/>
+        <a:font script="Ethi" typeface="Nyala"/>
+        <a:font script="Beng" typeface="Vrinda"/>
+        <a:font script="Gujr" typeface="Shruti"/>
+        <a:font script="Khmr" typeface="DaunPenh"/>
+        <a:font script="Knda" typeface="Tunga"/>
+        <a:font script="Guru" typeface="Raavi"/>
+        <a:font script="Cans" typeface="Euphemia"/>
+        <a:font script="Cher" typeface="Plantagenet Cherokee"/>
+        <a:font script="Yiii" typeface="Microsoft Yi Baiti"/>
+        <a:font script="Tibt" typeface="Microsoft Himalaya"/>
+        <a:font script="Thaa" typeface="MV Boli"/>
+        <a:font script="Deva" typeface="Mangal"/>
+        <a:font script="Telu" typeface="Gautami"/>
+        <a:font script="Taml" typeface="Latha"/>
+        <a:font script="Syrc" typeface="Estrangelo Edessa"/>
+        <a:font script="Orya" typeface="Kalinga"/>
+        <a:font script="Mlym" typeface="Kartika"/>
+        <a:font script="Laoo" typeface="DokChampa"/>
+        <a:font script="Sinh" typeface="Iskoola Pota"/>
+        <a:font script="Mong" typeface="Mongolian Baiti"/>
+        <a:font script="Viet" typeface="Arial"/>
+        <a:font script="Uigh" typeface="Microsoft Uighur"/>
+        <a:font script="Geor" typeface="Sylfaen"/>
+      </a:minorFont>
+    </a:fontScheme>
+    <a:fmtScheme name="Office">
+      <a:fillStyleLst>
+        <a:solidFill>
+          <a:schemeClr val="phClr"/>
+        </a:solidFill>
+        <a:gradFill rotWithShape="1">
+          <a:gsLst>
+            <a:gs pos="0">
+              <a:schemeClr val="phClr">
+                <a:tint val="50000"/>
+                <a:satMod val="300000"/>
+              </a:schemeClr>
+            </a:gs>
+            <a:gs pos="35000">
+              <a:schemeClr val="phClr">
+                <a:tint val="37000"/>
+                <a:satMod val="300000"/>
+              </a:schemeClr>
+            </a:gs>
+            <a:gs pos="100000">
+              <a:schemeClr val="phClr">
+                <a:tint val="15000"/>
+                <a:satMod val="350000"/>
+              </a:schemeClr>
+            </a:gs>
+          </a:gsLst>
+          <a:lin ang="16200000" scaled="1"/>
+        </a:gradFill>
+        <a:gradFill rotWithShape="1">
+          <a:gsLst>
+            <a:gs pos="0">
+              <a:schemeClr val="phClr">
+                <a:tint val="100000"/>
+                <a:shade val="100000"/>
+                <a:satMod val="130000"/>
+              </a:schemeClr>
+            </a:gs>
+            <a:gs pos="100000">
+              <a:schemeClr val="phClr">
+                <a:tint val="50000"/>
+                <a:shade val="100000"/>
+                <a:satMod val="350000"/>
+              </a:schemeClr>
+            </a:gs>
+          </a:gsLst>
+          <a:lin ang="16200000" scaled="0"/>
+        </a:gradFill>
+      </a:fillStyleLst>
+      <a:lnStyleLst>
+        <a:ln w="9525" cap="flat" cmpd="sng" algn="ctr">
+          <a:solidFill>
+            <a:schemeClr val="phClr">
+              <a:shade val="95000"/>
+              <a:satMod val="105000"/>
+            </a:schemeClr>
+          </a:solidFill>
+          <a:prstDash val="solid"/>
+        </a:ln>
+        <a:ln w="25400" cap="flat" cmpd="sng" algn="ctr">
+          <a:solidFill>
+            <a:schemeClr val="phClr"/>
+          </a:solidFill>
+          <a:prstDash val="solid"/>
+        </a:ln>
+        <a:ln w="38100" cap="flat" cmpd="sng" algn="ctr">
+          <a:solidFill>
+            <a:schemeClr val="phClr"/>
+          </a:solidFill>
+          <a:prstDash val="solid"/>
+        </a:ln>
+      </a:lnStyleLst>
+      <a:effectStyleLst>
+        <a:effectStyle>
+          <a:effectLst>
+            <a:outerShdw blurRad="40000" dist="20000" dir="5400000" rotWithShape="0">
+              <a:srgbClr val="000000">
+                <a:alpha val="38000"/>
+              </a:srgbClr>
+            </a:outerShdw>
+          </a:effectLst>
+        </a:effectStyle>
+        <a:effectStyle>
+          <a:effectLst>
+            <a:outerShdw blurRad="40000" dist="23000" dir="5400000" rotWithShape="0">
+              <a:srgbClr val="000000">
+                <a:alpha val="35000"/>
+              </a:srgbClr>
+            </a:outerShdw>
+          </a:effectLst>
+        </a:effectStyle>
+        <a:effectStyle>
+          <a:effectLst>
+            <a:outerShdw blurRad="40000" dist="23000" dir="5400000" rotWithShape="0">
+              <a:srgbClr val="000000">
+                <a:alpha val="35000"/>
+              </a:srgbClr>
+            </a:outerShdw>
+          </a:effectLst>
+          <a:scene3d>
+            <a:camera prst="orthographicFront">
+              <a:rot lat="0" lon="0" rev="0"/>
+            </a:camera>
+            <a:lightRig rig="threePt" dir="t">
+              <a:rot lat="0" lon="0" rev="1200000"/>
+            </a:lightRig>
+          </a:scene3d>
+          <a:sp3d>
+            <a:bevelT w="63500" h="25400"/>
+          </a:sp3d>
+        </a:effectStyle>
+      </a:effectStyleLst>
+      <a:bgFillStyleLst>
+        <a:solidFill>
+          <a:schemeClr val="phClr"/>
+        </a:solidFill>
+        <a:gradFill rotWithShape="1">
+          <a:gsLst>
+            <a:gs pos="0">
+              <a:schemeClr val="phClr">
+                <a:tint val="40000"/>
+                <a:satMod val="350000"/>
+              </a:schemeClr>
+            </a:gs>
+            <a:gs pos="40000">
+              <a:schemeClr val="phClr">
+                <a:tint val="45000"/>
+                <a:shade val="99000"/>
+                <a:satMod val="350000"/>
+              </a:schemeClr>
+            </a:gs>
+            <a:gs pos="100000">
+              <a:schemeClr val="phClr">
+                <a:shade val="20000"/>
+                <a:satMod val="255000"/>
+              </a:schemeClr>
+            </a:gs>
+          </a:gsLst>
+          <a:path path="circle">
+            <a:fillToRect l="50000" t="-80000" r="50000" b="180000"/>
+          </a:path>
+        </a:gradFill>
+        <a:gradFill rotWithShape="1">
+          <a:gsLst>
+            <a:gs pos="0">
+              <a:schemeClr val="phClr">
+                <a:tint val="80000"/>
+                <a:satMod val="300000"/>
+              </a:schemeClr>
+            </a:gs>
+            <a:gs pos="100000">
+              <a:schemeClr val="phClr">
+                <a:shade val="30000"/>
+                <a:satMod val="200000"/>
+              </a:schemeClr>
+            </a:gs>
+          </a:gsLst>
+          <a:path path="circle">
+            <a:fillToRect l="50000" t="50000" r="50000" b="50000"/>
+          </a:path>
+        </a:gradFill>
+      </a:bgFillStyleLst>
+    </a:fmtScheme>
+  </a:themeElements>
+  <a:objectDefaults>
+    <a:spDef>
+      <a:spPr/>
+      <a:bodyPr/>
+      <a:lstStyle/>
+      <a:style>
+        <a:lnRef idx="1">
+          <a:schemeClr val="accent1"/>
+        </a:lnRef>
+        <a:fillRef idx="3">
+          <a:schemeClr val="accent1"/>
+        </a:fillRef>
+        <a:effectRef idx="2">
+          <a:schemeClr val="accent1"/>
+        </a:effectRef>
+        <a:fontRef idx="minor">
+          <a:schemeClr val="lt1"/>
+        </a:fontRef>
+      </a:style>
+    </a:spDef>
+    <a:lnDef>
+      <a:spPr/>
+      <a:bodyPr/>
+      <a:lstStyle/>
+      <a:style>
+        <a:lnRef idx="2">
+          <a:schemeClr val="accent1"/>
+        </a:lnRef>
+        <a:fillRef idx="0">
+          <a:schemeClr val="accent1"/>
+        </a:fillRef>
+        <a:effectRef idx="1">
+          <a:schemeClr val="accent1"/>
+        </a:effectRef>
+        <a:fontRef idx="minor">
+          <a:schemeClr val="tx1"/>
+        </a:fontRef>
+      </a:style>
+    </a:lnDef>
+  </a:objectDefaults>
+  <a:extraClrSchemeLst/>
+</a:theme>
 </file>